--- a/Documentation/Master's Defense Presentation-Submission Version.pptx
+++ b/Documentation/Master's Defense Presentation-Submission Version.pptx
@@ -4629,65 +4629,65 @@
     </dgm:pt>
   </dgm:ptLst>
   <dgm:cxnLst>
+    <dgm:cxn modelId="{C2A8FD5A-5E61-4FCB-B27F-9991939E08A2}" type="presOf" srcId="{76B92935-7BEF-4DCE-9E47-4AEE97CDB5E7}" destId="{EC90519D-653C-4218-9A18-B4BEF799A799}" srcOrd="0" destOrd="0" presId="urn:microsoft.com/office/officeart/2005/8/layout/process5"/>
+    <dgm:cxn modelId="{6A20F945-5357-4F30-954F-A7FF14F2E7AF}" type="presOf" srcId="{071759C0-0041-429E-89C5-A79164BBE149}" destId="{5876F1DE-B8AB-4E39-9F0D-4116853BF538}" srcOrd="0" destOrd="0" presId="urn:microsoft.com/office/officeart/2005/8/layout/process5"/>
+    <dgm:cxn modelId="{06AE70CE-A802-49BE-8150-68E511CF02FD}" type="presOf" srcId="{2E1B39A7-7A14-4B94-9DCE-E56F3069CA33}" destId="{63CE118F-9142-4CC8-AAC8-BF3CB8BB02CD}" srcOrd="0" destOrd="0" presId="urn:microsoft.com/office/officeart/2005/8/layout/process5"/>
+    <dgm:cxn modelId="{EA3D067D-380F-400C-BBC5-6B067D4DD69C}" type="presOf" srcId="{1C851B15-8AD1-41E5-BD14-529ACBC8A332}" destId="{521FEBEB-0576-4113-8DFF-C4CE25793310}" srcOrd="1" destOrd="0" presId="urn:microsoft.com/office/officeart/2005/8/layout/process5"/>
+    <dgm:cxn modelId="{2CA35C0D-6891-4F3C-9201-4EBF6583BC20}" srcId="{AB5B1C37-69DE-41ED-8A9B-F226F0E40600}" destId="{76B92935-7BEF-4DCE-9E47-4AEE97CDB5E7}" srcOrd="8" destOrd="0" parTransId="{6DE26138-6629-4718-AF5A-C4319E367D18}" sibTransId="{1C851B15-8AD1-41E5-BD14-529ACBC8A332}"/>
+    <dgm:cxn modelId="{C9028E68-E51D-44B7-BA1F-521F899A4701}" type="presOf" srcId="{E48BA875-0344-4EDD-BF7E-F6C5905262D8}" destId="{9CE0DD54-39C2-4AAD-9435-83F0E6FD4AB8}" srcOrd="0" destOrd="0" presId="urn:microsoft.com/office/officeart/2005/8/layout/process5"/>
+    <dgm:cxn modelId="{CA149870-CAD3-458D-BD3E-73A295E2D210}" type="presOf" srcId="{CCD5B1D0-A826-41E0-9AD5-607A821984AB}" destId="{25792381-3CD8-43B2-A324-21AC3F06EBBE}" srcOrd="1" destOrd="0" presId="urn:microsoft.com/office/officeart/2005/8/layout/process5"/>
+    <dgm:cxn modelId="{84FC90E1-8ECB-4742-AD28-192A509F8728}" srcId="{AB5B1C37-69DE-41ED-8A9B-F226F0E40600}" destId="{1B463C33-3B52-45E9-8D0F-6A018D5DACAF}" srcOrd="9" destOrd="0" parTransId="{7DED3C88-9887-4E3B-A044-2BDB3BAE0BC6}" sibTransId="{15685B76-5C96-4BA3-A2C0-FF33676A2042}"/>
+    <dgm:cxn modelId="{4349DF4B-E811-4CB4-8F66-9A2C260D3635}" type="presOf" srcId="{DE2E1830-BAC7-46A3-BE6B-63135A1DBDDF}" destId="{B45BBCF7-2388-436D-9A2D-2D562E223D1B}" srcOrd="0" destOrd="0" presId="urn:microsoft.com/office/officeart/2005/8/layout/process5"/>
+    <dgm:cxn modelId="{EB1D2B94-102F-476D-BC6C-757447DD6B42}" srcId="{AB5B1C37-69DE-41ED-8A9B-F226F0E40600}" destId="{2E1B39A7-7A14-4B94-9DCE-E56F3069CA33}" srcOrd="0" destOrd="0" parTransId="{567794EE-82D9-40B1-9FC4-5C7281E8DD79}" sibTransId="{14E310AA-8F76-48CD-96C0-9EB186EB1FB1}"/>
+    <dgm:cxn modelId="{608C5302-256E-4987-A27D-7BEA863DFAFC}" type="presOf" srcId="{D47F2193-145F-4655-8B1E-AB8E947820D9}" destId="{A3BABC93-7449-40CB-973A-0BA3809A8F0F}" srcOrd="1" destOrd="0" presId="urn:microsoft.com/office/officeart/2005/8/layout/process5"/>
+    <dgm:cxn modelId="{03CD7936-453E-41D3-8836-70B55DE3CC93}" type="presOf" srcId="{AB5B1C37-69DE-41ED-8A9B-F226F0E40600}" destId="{4CA36187-7758-486A-AA25-6895D8A789A8}" srcOrd="0" destOrd="0" presId="urn:microsoft.com/office/officeart/2005/8/layout/process5"/>
+    <dgm:cxn modelId="{C6ABCC24-8302-4C26-A732-FEDDC3DF1BE0}" srcId="{AB5B1C37-69DE-41ED-8A9B-F226F0E40600}" destId="{2AF5C438-245E-468B-8C55-D71527F902D1}" srcOrd="7" destOrd="0" parTransId="{B613FAB8-C812-4AB1-9D25-75B826A2F124}" sibTransId="{352B0E50-7923-494C-9E9B-4162FDCFCAFA}"/>
+    <dgm:cxn modelId="{817C0ED0-C0AE-4012-8FBF-547BCB8622CB}" type="presOf" srcId="{3CCC27BF-F970-40AE-942A-88CE6EEAFEAB}" destId="{940586C3-78CD-4EDF-931D-F74DE1C37342}" srcOrd="0" destOrd="0" presId="urn:microsoft.com/office/officeart/2005/8/layout/process5"/>
+    <dgm:cxn modelId="{B01FD0DE-BB83-44B4-B3E1-867EE865B019}" type="presOf" srcId="{5A96196B-E027-42C0-8BDA-08DE5C49A975}" destId="{BFACEDEF-157A-4DA6-AF44-659CBD5454A8}" srcOrd="1" destOrd="0" presId="urn:microsoft.com/office/officeart/2005/8/layout/process5"/>
+    <dgm:cxn modelId="{9C11A233-6806-43B9-B13C-1DBB9C8FEBBA}" type="presOf" srcId="{71DD9690-EB87-40FC-A416-F018365D602B}" destId="{5DD1498A-C3D8-44BC-9E5C-4527DA1E6703}" srcOrd="0" destOrd="0" presId="urn:microsoft.com/office/officeart/2005/8/layout/process5"/>
+    <dgm:cxn modelId="{4EEF7E76-4A05-4906-B626-150D04ECDB2F}" type="presOf" srcId="{1C851B15-8AD1-41E5-BD14-529ACBC8A332}" destId="{1AB638A6-1292-4BC0-845E-8DD832EACDE4}" srcOrd="0" destOrd="0" presId="urn:microsoft.com/office/officeart/2005/8/layout/process5"/>
+    <dgm:cxn modelId="{B5F836D2-E09A-42DF-9E8E-4A06BA6AD09D}" srcId="{AB5B1C37-69DE-41ED-8A9B-F226F0E40600}" destId="{E8C537CA-CFAC-4465-BE6C-BF55267124AA}" srcOrd="11" destOrd="0" parTransId="{595861BC-99CD-46EC-9818-D9DF9E99E051}" sibTransId="{D47F2193-145F-4655-8B1E-AB8E947820D9}"/>
     <dgm:cxn modelId="{10D7D58E-D6FE-402D-AD92-943672A1706C}" type="presOf" srcId="{F6DD4A35-8E76-4698-B085-F23C810B4599}" destId="{E74057B0-E55D-49A5-8F06-CF9D2C33D4FF}" srcOrd="0" destOrd="0" presId="urn:microsoft.com/office/officeart/2005/8/layout/process5"/>
+    <dgm:cxn modelId="{9804AE42-5C82-4F3F-9297-4F132839F5FD}" type="presOf" srcId="{28FD3D8D-53C3-4EF4-95A2-2A57C21C1A3F}" destId="{D0037001-12A3-4C9F-A599-1B3BF6E2C905}" srcOrd="1" destOrd="0" presId="urn:microsoft.com/office/officeart/2005/8/layout/process5"/>
+    <dgm:cxn modelId="{53A75BEF-F4FE-449F-BC15-CE987C3823D5}" type="presOf" srcId="{5A96196B-E027-42C0-8BDA-08DE5C49A975}" destId="{032CB8CC-BF05-4C8C-B46F-A36B41146929}" srcOrd="0" destOrd="0" presId="urn:microsoft.com/office/officeart/2005/8/layout/process5"/>
+    <dgm:cxn modelId="{DE6C4934-42DA-429B-9868-DB54EFDAC1C3}" type="presOf" srcId="{6764B805-BB93-4A4E-9E36-48819848DCB0}" destId="{85696C33-182C-4BA9-B71C-D0E96E170F50}" srcOrd="1" destOrd="0" presId="urn:microsoft.com/office/officeart/2005/8/layout/process5"/>
+    <dgm:cxn modelId="{4FA22CFB-8300-4A76-B7C9-6C05AD5AC5CB}" srcId="{AB5B1C37-69DE-41ED-8A9B-F226F0E40600}" destId="{390E121F-98EC-4DD7-A7CF-E204B39DF167}" srcOrd="1" destOrd="0" parTransId="{ACAA3A48-CB3F-440B-B507-3D8A0C5C5A37}" sibTransId="{CCD5B1D0-A826-41E0-9AD5-607A821984AB}"/>
+    <dgm:cxn modelId="{E5FCDC6F-4E70-42FB-B994-AD396986174D}" type="presOf" srcId="{E8C537CA-CFAC-4465-BE6C-BF55267124AA}" destId="{EC4DBE40-1F90-4072-823A-1E09E26F5F8B}" srcOrd="0" destOrd="0" presId="urn:microsoft.com/office/officeart/2005/8/layout/process5"/>
+    <dgm:cxn modelId="{F97CF261-1250-4EFF-9449-41792DCDB7A6}" type="presOf" srcId="{C7939CE4-04E2-455F-846A-B2A915CF6B49}" destId="{F41D2CE0-03DE-43A6-AD41-BEF2A391E549}" srcOrd="0" destOrd="0" presId="urn:microsoft.com/office/officeart/2005/8/layout/process5"/>
+    <dgm:cxn modelId="{145CBD46-2DB9-402A-82B3-E6BC86E7929D}" srcId="{AB5B1C37-69DE-41ED-8A9B-F226F0E40600}" destId="{3CCC27BF-F970-40AE-942A-88CE6EEAFEAB}" srcOrd="5" destOrd="0" parTransId="{A223C013-3890-4FCB-9E13-58EAD09368C6}" sibTransId="{BED52646-BA1A-45D7-8AF7-482098E64C8B}"/>
+    <dgm:cxn modelId="{6C32182E-5457-4E33-94D9-461C4E344BE6}" type="presOf" srcId="{EEEF94BF-32B3-48BF-A8AA-CCEE67E25A97}" destId="{787283D2-DC31-4C5F-933D-F24E8169EDC8}" srcOrd="0" destOrd="0" presId="urn:microsoft.com/office/officeart/2005/8/layout/process5"/>
+    <dgm:cxn modelId="{D6698D67-E00A-4F7E-AC2E-6220D04DDA62}" type="presOf" srcId="{1B463C33-3B52-45E9-8D0F-6A018D5DACAF}" destId="{5BACB6AB-CAC5-4E01-BE11-BD6799C01AAA}" srcOrd="0" destOrd="0" presId="urn:microsoft.com/office/officeart/2005/8/layout/process5"/>
+    <dgm:cxn modelId="{19DFEC85-58C5-44BD-8DE8-1375ECDAB41C}" srcId="{AB5B1C37-69DE-41ED-8A9B-F226F0E40600}" destId="{7373010A-702B-4ED8-A41A-4170220F3355}" srcOrd="2" destOrd="0" parTransId="{FA3E0431-1EED-441C-94FD-11020A93E272}" sibTransId="{071759C0-0041-429E-89C5-A79164BBE149}"/>
+    <dgm:cxn modelId="{381A00CD-2E80-48C8-BA66-B813DB760EAB}" srcId="{AB5B1C37-69DE-41ED-8A9B-F226F0E40600}" destId="{1408972C-04E1-4A15-8279-875DF3E2F9EA}" srcOrd="6" destOrd="0" parTransId="{4C1752EB-6485-4C40-83CE-2D0C8D784D8B}" sibTransId="{9923F46D-E12B-445C-B32C-C214E112C5E4}"/>
+    <dgm:cxn modelId="{8116A8B5-653E-41ED-8703-E40DE39C27F5}" srcId="{AB5B1C37-69DE-41ED-8A9B-F226F0E40600}" destId="{DE2E1830-BAC7-46A3-BE6B-63135A1DBDDF}" srcOrd="4" destOrd="0" parTransId="{165F65A1-66D2-443C-AFEE-2DBC436532AA}" sibTransId="{6764B805-BB93-4A4E-9E36-48819848DCB0}"/>
+    <dgm:cxn modelId="{7BEF9E41-1FFD-40B3-AA96-41E9320B0108}" type="presOf" srcId="{D47F2193-145F-4655-8B1E-AB8E947820D9}" destId="{245CB016-E536-4099-BD43-ED1A0E2850EC}" srcOrd="0" destOrd="0" presId="urn:microsoft.com/office/officeart/2005/8/layout/process5"/>
+    <dgm:cxn modelId="{9324AF9B-C997-4486-9C0B-C44E22F1CA53}" type="presOf" srcId="{BED52646-BA1A-45D7-8AF7-482098E64C8B}" destId="{2F72D3D0-86E0-4B4C-97CF-39DE424A39FD}" srcOrd="1" destOrd="0" presId="urn:microsoft.com/office/officeart/2005/8/layout/process5"/>
+    <dgm:cxn modelId="{E33F4E75-5B79-4B79-9716-BF614C445624}" type="presOf" srcId="{352B0E50-7923-494C-9E9B-4162FDCFCAFA}" destId="{86651481-FF04-44BD-A562-EDE89FD7BA2F}" srcOrd="0" destOrd="0" presId="urn:microsoft.com/office/officeart/2005/8/layout/process5"/>
+    <dgm:cxn modelId="{B3BBD231-9803-4585-8B88-4BF7BE26A0C7}" type="presOf" srcId="{9923F46D-E12B-445C-B32C-C214E112C5E4}" destId="{6EEDDD97-4856-450C-A7D4-2CD4709F929E}" srcOrd="0" destOrd="0" presId="urn:microsoft.com/office/officeart/2005/8/layout/process5"/>
+    <dgm:cxn modelId="{5B1297C2-70ED-4048-B713-44DE9353FE24}" srcId="{AB5B1C37-69DE-41ED-8A9B-F226F0E40600}" destId="{F6DD4A35-8E76-4698-B085-F23C810B4599}" srcOrd="14" destOrd="0" parTransId="{4054B2FE-B2BE-48C9-97BC-07DF4BB30EF5}" sibTransId="{8CED0282-1E52-41F9-9391-A9F7A10C6673}"/>
+    <dgm:cxn modelId="{90F37A4D-3D7D-4F48-A065-559336A53291}" type="presOf" srcId="{9923F46D-E12B-445C-B32C-C214E112C5E4}" destId="{04D10457-2331-42F3-BB04-650E3421CF20}" srcOrd="1" destOrd="0" presId="urn:microsoft.com/office/officeart/2005/8/layout/process5"/>
     <dgm:cxn modelId="{048843D2-EB1A-44AF-A01A-389BB5FB2B53}" srcId="{AB5B1C37-69DE-41ED-8A9B-F226F0E40600}" destId="{E48BA875-0344-4EDD-BF7E-F6C5905262D8}" srcOrd="13" destOrd="0" parTransId="{838ADA12-00E2-4558-BA85-0AEDBC51CBB1}" sibTransId="{5A96196B-E027-42C0-8BDA-08DE5C49A975}"/>
-    <dgm:cxn modelId="{B7A4E3D1-4890-40C6-A779-6CCB44F74B35}" srcId="{AB5B1C37-69DE-41ED-8A9B-F226F0E40600}" destId="{71DD9690-EB87-40FC-A416-F018365D602B}" srcOrd="12" destOrd="0" parTransId="{57203671-8C87-4F53-B0E5-9D4F42BC76A2}" sibTransId="{28FD3D8D-53C3-4EF4-95A2-2A57C21C1A3F}"/>
-    <dgm:cxn modelId="{D35CFE5B-0132-44F1-B9DF-188CFCEBAAA5}" type="presOf" srcId="{6764B805-BB93-4A4E-9E36-48819848DCB0}" destId="{DEC679EB-2799-46C1-90F2-EE5825B68383}" srcOrd="0" destOrd="0" presId="urn:microsoft.com/office/officeart/2005/8/layout/process5"/>
-    <dgm:cxn modelId="{E5FCDC6F-4E70-42FB-B994-AD396986174D}" type="presOf" srcId="{E8C537CA-CFAC-4465-BE6C-BF55267124AA}" destId="{EC4DBE40-1F90-4072-823A-1E09E26F5F8B}" srcOrd="0" destOrd="0" presId="urn:microsoft.com/office/officeart/2005/8/layout/process5"/>
+    <dgm:cxn modelId="{CC2D6A51-FA87-4F86-864A-A1F345DB6046}" type="presOf" srcId="{2AF5C438-245E-468B-8C55-D71527F902D1}" destId="{C6629E15-758C-41B8-82B8-42C5A8C7074B}" srcOrd="0" destOrd="0" presId="urn:microsoft.com/office/officeart/2005/8/layout/process5"/>
+    <dgm:cxn modelId="{8CE8EA9D-938A-4FCA-ABBF-537E15476141}" type="presOf" srcId="{EA9AA948-534B-4DD9-B4FB-0D690DBEDF07}" destId="{509032F7-9C60-4D06-A8CD-C328EA9F6465}" srcOrd="1" destOrd="0" presId="urn:microsoft.com/office/officeart/2005/8/layout/process5"/>
+    <dgm:cxn modelId="{86B5410B-6404-468E-9123-372653369BC6}" type="presOf" srcId="{14E310AA-8F76-48CD-96C0-9EB186EB1FB1}" destId="{02513033-D44E-4E72-9EBB-9E9134EB9B47}" srcOrd="1" destOrd="0" presId="urn:microsoft.com/office/officeart/2005/8/layout/process5"/>
+    <dgm:cxn modelId="{96E89778-6885-4FB6-9244-95F3B44FB16A}" type="presOf" srcId="{15685B76-5C96-4BA3-A2C0-FF33676A2042}" destId="{7F4525BD-C615-4E1A-A87B-65B97A26F2F7}" srcOrd="1" destOrd="0" presId="urn:microsoft.com/office/officeart/2005/8/layout/process5"/>
+    <dgm:cxn modelId="{A1CADADB-B691-49C2-9405-BAFD0A96F721}" type="presOf" srcId="{7373010A-702B-4ED8-A41A-4170220F3355}" destId="{0FB98FBF-B28F-4B7D-84F4-FEF463FF8EC5}" srcOrd="0" destOrd="0" presId="urn:microsoft.com/office/officeart/2005/8/layout/process5"/>
+    <dgm:cxn modelId="{259621AF-9F8D-40CF-8E53-38591A5661EC}" type="presOf" srcId="{390E121F-98EC-4DD7-A7CF-E204B39DF167}" destId="{3A4BC97F-37CA-4829-A88A-369F4D7D16BF}" srcOrd="0" destOrd="0" presId="urn:microsoft.com/office/officeart/2005/8/layout/process5"/>
     <dgm:cxn modelId="{F74B70DC-251B-42D3-8588-55EFFCBE41AA}" type="presOf" srcId="{28FD3D8D-53C3-4EF4-95A2-2A57C21C1A3F}" destId="{A1846374-733E-4755-94E6-8D6AA7C26CCB}" srcOrd="0" destOrd="0" presId="urn:microsoft.com/office/officeart/2005/8/layout/process5"/>
     <dgm:cxn modelId="{3D96E658-AA3C-4922-80EE-6792DC6D9328}" type="presOf" srcId="{EA9AA948-534B-4DD9-B4FB-0D690DBEDF07}" destId="{53F21E50-3FE7-44CF-8ADB-18482AFA795B}" srcOrd="0" destOrd="0" presId="urn:microsoft.com/office/officeart/2005/8/layout/process5"/>
-    <dgm:cxn modelId="{9324AF9B-C997-4486-9C0B-C44E22F1CA53}" type="presOf" srcId="{BED52646-BA1A-45D7-8AF7-482098E64C8B}" destId="{2F72D3D0-86E0-4B4C-97CF-39DE424A39FD}" srcOrd="1" destOrd="0" presId="urn:microsoft.com/office/officeart/2005/8/layout/process5"/>
-    <dgm:cxn modelId="{B5F836D2-E09A-42DF-9E8E-4A06BA6AD09D}" srcId="{AB5B1C37-69DE-41ED-8A9B-F226F0E40600}" destId="{E8C537CA-CFAC-4465-BE6C-BF55267124AA}" srcOrd="11" destOrd="0" parTransId="{595861BC-99CD-46EC-9818-D9DF9E99E051}" sibTransId="{D47F2193-145F-4655-8B1E-AB8E947820D9}"/>
+    <dgm:cxn modelId="{9EDDEAFD-9221-451D-AFF6-18D7B356FAF9}" type="presOf" srcId="{BED52646-BA1A-45D7-8AF7-482098E64C8B}" destId="{6301015F-424B-4CC0-91B1-756CF871A347}" srcOrd="0" destOrd="0" presId="urn:microsoft.com/office/officeart/2005/8/layout/process5"/>
+    <dgm:cxn modelId="{360B2DB1-B830-4456-B940-A1B8530EEB2F}" type="presOf" srcId="{352B0E50-7923-494C-9E9B-4162FDCFCAFA}" destId="{0E1A1D26-DE18-4F29-BA1E-707C06178643}" srcOrd="1" destOrd="0" presId="urn:microsoft.com/office/officeart/2005/8/layout/process5"/>
+    <dgm:cxn modelId="{D24DF3E5-DBC5-466D-995E-F39FC29A01DA}" type="presOf" srcId="{5D6FB9D1-63E2-4A38-ACE1-8B1F56541250}" destId="{FF31987F-28DF-4C28-B287-28C25572ABE9}" srcOrd="0" destOrd="0" presId="urn:microsoft.com/office/officeart/2005/8/layout/process5"/>
+    <dgm:cxn modelId="{BC8CCC1C-651E-4D7D-B245-59DD826A7B70}" type="presOf" srcId="{CCD5B1D0-A826-41E0-9AD5-607A821984AB}" destId="{4115D3B3-E953-4869-93FF-DAB29CF1771B}" srcOrd="0" destOrd="0" presId="urn:microsoft.com/office/officeart/2005/8/layout/process5"/>
+    <dgm:cxn modelId="{D21970DE-3F69-4E03-B1CF-EA3E70661A25}" type="presOf" srcId="{EEEF94BF-32B3-48BF-A8AA-CCEE67E25A97}" destId="{B72D9CCA-F1B3-4459-8EFB-A205B659F308}" srcOrd="1" destOrd="0" presId="urn:microsoft.com/office/officeart/2005/8/layout/process5"/>
+    <dgm:cxn modelId="{1811D1A0-3A88-4418-9158-F812BDC091EA}" type="presOf" srcId="{14E310AA-8F76-48CD-96C0-9EB186EB1FB1}" destId="{48924F06-028A-4E81-AB80-E867528E89A0}" srcOrd="0" destOrd="0" presId="urn:microsoft.com/office/officeart/2005/8/layout/process5"/>
+    <dgm:cxn modelId="{EED3FBA6-7604-4926-AE0C-D9FB036ADAFB}" type="presOf" srcId="{1408972C-04E1-4A15-8279-875DF3E2F9EA}" destId="{8DAED0D4-D883-489B-A93F-A42FBCBEB15C}" srcOrd="0" destOrd="0" presId="urn:microsoft.com/office/officeart/2005/8/layout/process5"/>
+    <dgm:cxn modelId="{87A797EC-99CC-4429-A7A3-4F0B1F288D0C}" srcId="{AB5B1C37-69DE-41ED-8A9B-F226F0E40600}" destId="{C7939CE4-04E2-455F-846A-B2A915CF6B49}" srcOrd="3" destOrd="0" parTransId="{5EE040DF-7537-4341-836F-A5F63DA2F0BA}" sibTransId="{EEEF94BF-32B3-48BF-A8AA-CCEE67E25A97}"/>
+    <dgm:cxn modelId="{D35CFE5B-0132-44F1-B9DF-188CFCEBAAA5}" type="presOf" srcId="{6764B805-BB93-4A4E-9E36-48819848DCB0}" destId="{DEC679EB-2799-46C1-90F2-EE5825B68383}" srcOrd="0" destOrd="0" presId="urn:microsoft.com/office/officeart/2005/8/layout/process5"/>
+    <dgm:cxn modelId="{F1FFA344-B510-4605-9E8E-5C6ABAE52B68}" srcId="{AB5B1C37-69DE-41ED-8A9B-F226F0E40600}" destId="{5D6FB9D1-63E2-4A38-ACE1-8B1F56541250}" srcOrd="10" destOrd="0" parTransId="{6DD42969-541C-4957-9E1B-0FBD8634476C}" sibTransId="{EA9AA948-534B-4DD9-B4FB-0D690DBEDF07}"/>
+    <dgm:cxn modelId="{056AB020-DAEE-41D4-B632-2E6880753824}" type="presOf" srcId="{071759C0-0041-429E-89C5-A79164BBE149}" destId="{87256524-84DC-4D47-9CFE-2D58B2B2FF77}" srcOrd="1" destOrd="0" presId="urn:microsoft.com/office/officeart/2005/8/layout/process5"/>
+    <dgm:cxn modelId="{B7A4E3D1-4890-40C6-A779-6CCB44F74B35}" srcId="{AB5B1C37-69DE-41ED-8A9B-F226F0E40600}" destId="{71DD9690-EB87-40FC-A416-F018365D602B}" srcOrd="12" destOrd="0" parTransId="{57203671-8C87-4F53-B0E5-9D4F42BC76A2}" sibTransId="{28FD3D8D-53C3-4EF4-95A2-2A57C21C1A3F}"/>
     <dgm:cxn modelId="{4FBDCE62-3C93-4C33-9240-D6F71265471D}" type="presOf" srcId="{15685B76-5C96-4BA3-A2C0-FF33676A2042}" destId="{89BC5668-20AB-4079-B523-AF9F3BAC5EBB}" srcOrd="0" destOrd="0" presId="urn:microsoft.com/office/officeart/2005/8/layout/process5"/>
-    <dgm:cxn modelId="{608C5302-256E-4987-A27D-7BEA863DFAFC}" type="presOf" srcId="{D47F2193-145F-4655-8B1E-AB8E947820D9}" destId="{A3BABC93-7449-40CB-973A-0BA3809A8F0F}" srcOrd="1" destOrd="0" presId="urn:microsoft.com/office/officeart/2005/8/layout/process5"/>
-    <dgm:cxn modelId="{CC2D6A51-FA87-4F86-864A-A1F345DB6046}" type="presOf" srcId="{2AF5C438-245E-468B-8C55-D71527F902D1}" destId="{C6629E15-758C-41B8-82B8-42C5A8C7074B}" srcOrd="0" destOrd="0" presId="urn:microsoft.com/office/officeart/2005/8/layout/process5"/>
-    <dgm:cxn modelId="{87A797EC-99CC-4429-A7A3-4F0B1F288D0C}" srcId="{AB5B1C37-69DE-41ED-8A9B-F226F0E40600}" destId="{C7939CE4-04E2-455F-846A-B2A915CF6B49}" srcOrd="3" destOrd="0" parTransId="{5EE040DF-7537-4341-836F-A5F63DA2F0BA}" sibTransId="{EEEF94BF-32B3-48BF-A8AA-CCEE67E25A97}"/>
-    <dgm:cxn modelId="{B01FD0DE-BB83-44B4-B3E1-867EE865B019}" type="presOf" srcId="{5A96196B-E027-42C0-8BDA-08DE5C49A975}" destId="{BFACEDEF-157A-4DA6-AF44-659CBD5454A8}" srcOrd="1" destOrd="0" presId="urn:microsoft.com/office/officeart/2005/8/layout/process5"/>
-    <dgm:cxn modelId="{53A75BEF-F4FE-449F-BC15-CE987C3823D5}" type="presOf" srcId="{5A96196B-E027-42C0-8BDA-08DE5C49A975}" destId="{032CB8CC-BF05-4C8C-B46F-A36B41146929}" srcOrd="0" destOrd="0" presId="urn:microsoft.com/office/officeart/2005/8/layout/process5"/>
-    <dgm:cxn modelId="{5B1297C2-70ED-4048-B713-44DE9353FE24}" srcId="{AB5B1C37-69DE-41ED-8A9B-F226F0E40600}" destId="{F6DD4A35-8E76-4698-B085-F23C810B4599}" srcOrd="14" destOrd="0" parTransId="{4054B2FE-B2BE-48C9-97BC-07DF4BB30EF5}" sibTransId="{8CED0282-1E52-41F9-9391-A9F7A10C6673}"/>
-    <dgm:cxn modelId="{4349DF4B-E811-4CB4-8F66-9A2C260D3635}" type="presOf" srcId="{DE2E1830-BAC7-46A3-BE6B-63135A1DBDDF}" destId="{B45BBCF7-2388-436D-9A2D-2D562E223D1B}" srcOrd="0" destOrd="0" presId="urn:microsoft.com/office/officeart/2005/8/layout/process5"/>
-    <dgm:cxn modelId="{D24DF3E5-DBC5-466D-995E-F39FC29A01DA}" type="presOf" srcId="{5D6FB9D1-63E2-4A38-ACE1-8B1F56541250}" destId="{FF31987F-28DF-4C28-B287-28C25572ABE9}" srcOrd="0" destOrd="0" presId="urn:microsoft.com/office/officeart/2005/8/layout/process5"/>
-    <dgm:cxn modelId="{D6698D67-E00A-4F7E-AC2E-6220D04DDA62}" type="presOf" srcId="{1B463C33-3B52-45E9-8D0F-6A018D5DACAF}" destId="{5BACB6AB-CAC5-4E01-BE11-BD6799C01AAA}" srcOrd="0" destOrd="0" presId="urn:microsoft.com/office/officeart/2005/8/layout/process5"/>
-    <dgm:cxn modelId="{C9028E68-E51D-44B7-BA1F-521F899A4701}" type="presOf" srcId="{E48BA875-0344-4EDD-BF7E-F6C5905262D8}" destId="{9CE0DD54-39C2-4AAD-9435-83F0E6FD4AB8}" srcOrd="0" destOrd="0" presId="urn:microsoft.com/office/officeart/2005/8/layout/process5"/>
-    <dgm:cxn modelId="{7BEF9E41-1FFD-40B3-AA96-41E9320B0108}" type="presOf" srcId="{D47F2193-145F-4655-8B1E-AB8E947820D9}" destId="{245CB016-E536-4099-BD43-ED1A0E2850EC}" srcOrd="0" destOrd="0" presId="urn:microsoft.com/office/officeart/2005/8/layout/process5"/>
-    <dgm:cxn modelId="{9804AE42-5C82-4F3F-9297-4F132839F5FD}" type="presOf" srcId="{28FD3D8D-53C3-4EF4-95A2-2A57C21C1A3F}" destId="{D0037001-12A3-4C9F-A599-1B3BF6E2C905}" srcOrd="1" destOrd="0" presId="urn:microsoft.com/office/officeart/2005/8/layout/process5"/>
-    <dgm:cxn modelId="{B3BBD231-9803-4585-8B88-4BF7BE26A0C7}" type="presOf" srcId="{9923F46D-E12B-445C-B32C-C214E112C5E4}" destId="{6EEDDD97-4856-450C-A7D4-2CD4709F929E}" srcOrd="0" destOrd="0" presId="urn:microsoft.com/office/officeart/2005/8/layout/process5"/>
-    <dgm:cxn modelId="{84FC90E1-8ECB-4742-AD28-192A509F8728}" srcId="{AB5B1C37-69DE-41ED-8A9B-F226F0E40600}" destId="{1B463C33-3B52-45E9-8D0F-6A018D5DACAF}" srcOrd="9" destOrd="0" parTransId="{7DED3C88-9887-4E3B-A044-2BDB3BAE0BC6}" sibTransId="{15685B76-5C96-4BA3-A2C0-FF33676A2042}"/>
-    <dgm:cxn modelId="{8116A8B5-653E-41ED-8703-E40DE39C27F5}" srcId="{AB5B1C37-69DE-41ED-8A9B-F226F0E40600}" destId="{DE2E1830-BAC7-46A3-BE6B-63135A1DBDDF}" srcOrd="4" destOrd="0" parTransId="{165F65A1-66D2-443C-AFEE-2DBC436532AA}" sibTransId="{6764B805-BB93-4A4E-9E36-48819848DCB0}"/>
-    <dgm:cxn modelId="{EA3D067D-380F-400C-BBC5-6B067D4DD69C}" type="presOf" srcId="{1C851B15-8AD1-41E5-BD14-529ACBC8A332}" destId="{521FEBEB-0576-4113-8DFF-C4CE25793310}" srcOrd="1" destOrd="0" presId="urn:microsoft.com/office/officeart/2005/8/layout/process5"/>
-    <dgm:cxn modelId="{9C11A233-6806-43B9-B13C-1DBB9C8FEBBA}" type="presOf" srcId="{71DD9690-EB87-40FC-A416-F018365D602B}" destId="{5DD1498A-C3D8-44BC-9E5C-4527DA1E6703}" srcOrd="0" destOrd="0" presId="urn:microsoft.com/office/officeart/2005/8/layout/process5"/>
-    <dgm:cxn modelId="{EED3FBA6-7604-4926-AE0C-D9FB036ADAFB}" type="presOf" srcId="{1408972C-04E1-4A15-8279-875DF3E2F9EA}" destId="{8DAED0D4-D883-489B-A93F-A42FBCBEB15C}" srcOrd="0" destOrd="0" presId="urn:microsoft.com/office/officeart/2005/8/layout/process5"/>
-    <dgm:cxn modelId="{CA149870-CAD3-458D-BD3E-73A295E2D210}" type="presOf" srcId="{CCD5B1D0-A826-41E0-9AD5-607A821984AB}" destId="{25792381-3CD8-43B2-A324-21AC3F06EBBE}" srcOrd="1" destOrd="0" presId="urn:microsoft.com/office/officeart/2005/8/layout/process5"/>
-    <dgm:cxn modelId="{6A20F945-5357-4F30-954F-A7FF14F2E7AF}" type="presOf" srcId="{071759C0-0041-429E-89C5-A79164BBE149}" destId="{5876F1DE-B8AB-4E39-9F0D-4116853BF538}" srcOrd="0" destOrd="0" presId="urn:microsoft.com/office/officeart/2005/8/layout/process5"/>
-    <dgm:cxn modelId="{19DFEC85-58C5-44BD-8DE8-1375ECDAB41C}" srcId="{AB5B1C37-69DE-41ED-8A9B-F226F0E40600}" destId="{7373010A-702B-4ED8-A41A-4170220F3355}" srcOrd="2" destOrd="0" parTransId="{FA3E0431-1EED-441C-94FD-11020A93E272}" sibTransId="{071759C0-0041-429E-89C5-A79164BBE149}"/>
-    <dgm:cxn modelId="{D21970DE-3F69-4E03-B1CF-EA3E70661A25}" type="presOf" srcId="{EEEF94BF-32B3-48BF-A8AA-CCEE67E25A97}" destId="{B72D9CCA-F1B3-4459-8EFB-A205B659F308}" srcOrd="1" destOrd="0" presId="urn:microsoft.com/office/officeart/2005/8/layout/process5"/>
-    <dgm:cxn modelId="{2CA35C0D-6891-4F3C-9201-4EBF6583BC20}" srcId="{AB5B1C37-69DE-41ED-8A9B-F226F0E40600}" destId="{76B92935-7BEF-4DCE-9E47-4AEE97CDB5E7}" srcOrd="8" destOrd="0" parTransId="{6DE26138-6629-4718-AF5A-C4319E367D18}" sibTransId="{1C851B15-8AD1-41E5-BD14-529ACBC8A332}"/>
-    <dgm:cxn modelId="{F97CF261-1250-4EFF-9449-41792DCDB7A6}" type="presOf" srcId="{C7939CE4-04E2-455F-846A-B2A915CF6B49}" destId="{F41D2CE0-03DE-43A6-AD41-BEF2A391E549}" srcOrd="0" destOrd="0" presId="urn:microsoft.com/office/officeart/2005/8/layout/process5"/>
-    <dgm:cxn modelId="{6C32182E-5457-4E33-94D9-461C4E344BE6}" type="presOf" srcId="{EEEF94BF-32B3-48BF-A8AA-CCEE67E25A97}" destId="{787283D2-DC31-4C5F-933D-F24E8169EDC8}" srcOrd="0" destOrd="0" presId="urn:microsoft.com/office/officeart/2005/8/layout/process5"/>
-    <dgm:cxn modelId="{C2A8FD5A-5E61-4FCB-B27F-9991939E08A2}" type="presOf" srcId="{76B92935-7BEF-4DCE-9E47-4AEE97CDB5E7}" destId="{EC90519D-653C-4218-9A18-B4BEF799A799}" srcOrd="0" destOrd="0" presId="urn:microsoft.com/office/officeart/2005/8/layout/process5"/>
-    <dgm:cxn modelId="{381A00CD-2E80-48C8-BA66-B813DB760EAB}" srcId="{AB5B1C37-69DE-41ED-8A9B-F226F0E40600}" destId="{1408972C-04E1-4A15-8279-875DF3E2F9EA}" srcOrd="6" destOrd="0" parTransId="{4C1752EB-6485-4C40-83CE-2D0C8D784D8B}" sibTransId="{9923F46D-E12B-445C-B32C-C214E112C5E4}"/>
-    <dgm:cxn modelId="{9EDDEAFD-9221-451D-AFF6-18D7B356FAF9}" type="presOf" srcId="{BED52646-BA1A-45D7-8AF7-482098E64C8B}" destId="{6301015F-424B-4CC0-91B1-756CF871A347}" srcOrd="0" destOrd="0" presId="urn:microsoft.com/office/officeart/2005/8/layout/process5"/>
-    <dgm:cxn modelId="{8CE8EA9D-938A-4FCA-ABBF-537E15476141}" type="presOf" srcId="{EA9AA948-534B-4DD9-B4FB-0D690DBEDF07}" destId="{509032F7-9C60-4D06-A8CD-C328EA9F6465}" srcOrd="1" destOrd="0" presId="urn:microsoft.com/office/officeart/2005/8/layout/process5"/>
-    <dgm:cxn modelId="{F1FFA344-B510-4605-9E8E-5C6ABAE52B68}" srcId="{AB5B1C37-69DE-41ED-8A9B-F226F0E40600}" destId="{5D6FB9D1-63E2-4A38-ACE1-8B1F56541250}" srcOrd="10" destOrd="0" parTransId="{6DD42969-541C-4957-9E1B-0FBD8634476C}" sibTransId="{EA9AA948-534B-4DD9-B4FB-0D690DBEDF07}"/>
-    <dgm:cxn modelId="{1811D1A0-3A88-4418-9158-F812BDC091EA}" type="presOf" srcId="{14E310AA-8F76-48CD-96C0-9EB186EB1FB1}" destId="{48924F06-028A-4E81-AB80-E867528E89A0}" srcOrd="0" destOrd="0" presId="urn:microsoft.com/office/officeart/2005/8/layout/process5"/>
-    <dgm:cxn modelId="{E33F4E75-5B79-4B79-9716-BF614C445624}" type="presOf" srcId="{352B0E50-7923-494C-9E9B-4162FDCFCAFA}" destId="{86651481-FF04-44BD-A562-EDE89FD7BA2F}" srcOrd="0" destOrd="0" presId="urn:microsoft.com/office/officeart/2005/8/layout/process5"/>
-    <dgm:cxn modelId="{BC8CCC1C-651E-4D7D-B245-59DD826A7B70}" type="presOf" srcId="{CCD5B1D0-A826-41E0-9AD5-607A821984AB}" destId="{4115D3B3-E953-4869-93FF-DAB29CF1771B}" srcOrd="0" destOrd="0" presId="urn:microsoft.com/office/officeart/2005/8/layout/process5"/>
-    <dgm:cxn modelId="{86B5410B-6404-468E-9123-372653369BC6}" type="presOf" srcId="{14E310AA-8F76-48CD-96C0-9EB186EB1FB1}" destId="{02513033-D44E-4E72-9EBB-9E9134EB9B47}" srcOrd="1" destOrd="0" presId="urn:microsoft.com/office/officeart/2005/8/layout/process5"/>
-    <dgm:cxn modelId="{259621AF-9F8D-40CF-8E53-38591A5661EC}" type="presOf" srcId="{390E121F-98EC-4DD7-A7CF-E204B39DF167}" destId="{3A4BC97F-37CA-4829-A88A-369F4D7D16BF}" srcOrd="0" destOrd="0" presId="urn:microsoft.com/office/officeart/2005/8/layout/process5"/>
-    <dgm:cxn modelId="{817C0ED0-C0AE-4012-8FBF-547BCB8622CB}" type="presOf" srcId="{3CCC27BF-F970-40AE-942A-88CE6EEAFEAB}" destId="{940586C3-78CD-4EDF-931D-F74DE1C37342}" srcOrd="0" destOrd="0" presId="urn:microsoft.com/office/officeart/2005/8/layout/process5"/>
-    <dgm:cxn modelId="{145CBD46-2DB9-402A-82B3-E6BC86E7929D}" srcId="{AB5B1C37-69DE-41ED-8A9B-F226F0E40600}" destId="{3CCC27BF-F970-40AE-942A-88CE6EEAFEAB}" srcOrd="5" destOrd="0" parTransId="{A223C013-3890-4FCB-9E13-58EAD09368C6}" sibTransId="{BED52646-BA1A-45D7-8AF7-482098E64C8B}"/>
-    <dgm:cxn modelId="{4EEF7E76-4A05-4906-B626-150D04ECDB2F}" type="presOf" srcId="{1C851B15-8AD1-41E5-BD14-529ACBC8A332}" destId="{1AB638A6-1292-4BC0-845E-8DD832EACDE4}" srcOrd="0" destOrd="0" presId="urn:microsoft.com/office/officeart/2005/8/layout/process5"/>
-    <dgm:cxn modelId="{96E89778-6885-4FB6-9244-95F3B44FB16A}" type="presOf" srcId="{15685B76-5C96-4BA3-A2C0-FF33676A2042}" destId="{7F4525BD-C615-4E1A-A87B-65B97A26F2F7}" srcOrd="1" destOrd="0" presId="urn:microsoft.com/office/officeart/2005/8/layout/process5"/>
-    <dgm:cxn modelId="{4FA22CFB-8300-4A76-B7C9-6C05AD5AC5CB}" srcId="{AB5B1C37-69DE-41ED-8A9B-F226F0E40600}" destId="{390E121F-98EC-4DD7-A7CF-E204B39DF167}" srcOrd="1" destOrd="0" parTransId="{ACAA3A48-CB3F-440B-B507-3D8A0C5C5A37}" sibTransId="{CCD5B1D0-A826-41E0-9AD5-607A821984AB}"/>
-    <dgm:cxn modelId="{03CD7936-453E-41D3-8836-70B55DE3CC93}" type="presOf" srcId="{AB5B1C37-69DE-41ED-8A9B-F226F0E40600}" destId="{4CA36187-7758-486A-AA25-6895D8A789A8}" srcOrd="0" destOrd="0" presId="urn:microsoft.com/office/officeart/2005/8/layout/process5"/>
-    <dgm:cxn modelId="{360B2DB1-B830-4456-B940-A1B8530EEB2F}" type="presOf" srcId="{352B0E50-7923-494C-9E9B-4162FDCFCAFA}" destId="{0E1A1D26-DE18-4F29-BA1E-707C06178643}" srcOrd="1" destOrd="0" presId="urn:microsoft.com/office/officeart/2005/8/layout/process5"/>
-    <dgm:cxn modelId="{DE6C4934-42DA-429B-9868-DB54EFDAC1C3}" type="presOf" srcId="{6764B805-BB93-4A4E-9E36-48819848DCB0}" destId="{85696C33-182C-4BA9-B71C-D0E96E170F50}" srcOrd="1" destOrd="0" presId="urn:microsoft.com/office/officeart/2005/8/layout/process5"/>
-    <dgm:cxn modelId="{06AE70CE-A802-49BE-8150-68E511CF02FD}" type="presOf" srcId="{2E1B39A7-7A14-4B94-9DCE-E56F3069CA33}" destId="{63CE118F-9142-4CC8-AAC8-BF3CB8BB02CD}" srcOrd="0" destOrd="0" presId="urn:microsoft.com/office/officeart/2005/8/layout/process5"/>
-    <dgm:cxn modelId="{90F37A4D-3D7D-4F48-A065-559336A53291}" type="presOf" srcId="{9923F46D-E12B-445C-B32C-C214E112C5E4}" destId="{04D10457-2331-42F3-BB04-650E3421CF20}" srcOrd="1" destOrd="0" presId="urn:microsoft.com/office/officeart/2005/8/layout/process5"/>
-    <dgm:cxn modelId="{C6ABCC24-8302-4C26-A732-FEDDC3DF1BE0}" srcId="{AB5B1C37-69DE-41ED-8A9B-F226F0E40600}" destId="{2AF5C438-245E-468B-8C55-D71527F902D1}" srcOrd="7" destOrd="0" parTransId="{B613FAB8-C812-4AB1-9D25-75B826A2F124}" sibTransId="{352B0E50-7923-494C-9E9B-4162FDCFCAFA}"/>
-    <dgm:cxn modelId="{056AB020-DAEE-41D4-B632-2E6880753824}" type="presOf" srcId="{071759C0-0041-429E-89C5-A79164BBE149}" destId="{87256524-84DC-4D47-9CFE-2D58B2B2FF77}" srcOrd="1" destOrd="0" presId="urn:microsoft.com/office/officeart/2005/8/layout/process5"/>
-    <dgm:cxn modelId="{A1CADADB-B691-49C2-9405-BAFD0A96F721}" type="presOf" srcId="{7373010A-702B-4ED8-A41A-4170220F3355}" destId="{0FB98FBF-B28F-4B7D-84F4-FEF463FF8EC5}" srcOrd="0" destOrd="0" presId="urn:microsoft.com/office/officeart/2005/8/layout/process5"/>
-    <dgm:cxn modelId="{EB1D2B94-102F-476D-BC6C-757447DD6B42}" srcId="{AB5B1C37-69DE-41ED-8A9B-F226F0E40600}" destId="{2E1B39A7-7A14-4B94-9DCE-E56F3069CA33}" srcOrd="0" destOrd="0" parTransId="{567794EE-82D9-40B1-9FC4-5C7281E8DD79}" sibTransId="{14E310AA-8F76-48CD-96C0-9EB186EB1FB1}"/>
     <dgm:cxn modelId="{F44C813F-337A-4894-A223-50A8E8FFE447}" type="presParOf" srcId="{4CA36187-7758-486A-AA25-6895D8A789A8}" destId="{63CE118F-9142-4CC8-AAC8-BF3CB8BB02CD}" srcOrd="0" destOrd="0" presId="urn:microsoft.com/office/officeart/2005/8/layout/process5"/>
     <dgm:cxn modelId="{44D18516-46A0-4E3F-9A8C-07EFA8C85B79}" type="presParOf" srcId="{4CA36187-7758-486A-AA25-6895D8A789A8}" destId="{48924F06-028A-4E81-AB80-E867528E89A0}" srcOrd="1" destOrd="0" presId="urn:microsoft.com/office/officeart/2005/8/layout/process5"/>
     <dgm:cxn modelId="{E61EFC57-FCD1-426F-B616-CA9D874EE4F5}" type="presParOf" srcId="{48924F06-028A-4E81-AB80-E867528E89A0}" destId="{02513033-D44E-4E72-9EBB-9E9134EB9B47}" srcOrd="0" destOrd="0" presId="urn:microsoft.com/office/officeart/2005/8/layout/process5"/>

--- a/Documentation/Master's Defense Presentation-Submission Version.pptx
+++ b/Documentation/Master's Defense Presentation-Submission Version.pptx
@@ -4629,65 +4629,65 @@
     </dgm:pt>
   </dgm:ptLst>
   <dgm:cxnLst>
-    <dgm:cxn modelId="{C2A8FD5A-5E61-4FCB-B27F-9991939E08A2}" type="presOf" srcId="{76B92935-7BEF-4DCE-9E47-4AEE97CDB5E7}" destId="{EC90519D-653C-4218-9A18-B4BEF799A799}" srcOrd="0" destOrd="0" presId="urn:microsoft.com/office/officeart/2005/8/layout/process5"/>
-    <dgm:cxn modelId="{6A20F945-5357-4F30-954F-A7FF14F2E7AF}" type="presOf" srcId="{071759C0-0041-429E-89C5-A79164BBE149}" destId="{5876F1DE-B8AB-4E39-9F0D-4116853BF538}" srcOrd="0" destOrd="0" presId="urn:microsoft.com/office/officeart/2005/8/layout/process5"/>
-    <dgm:cxn modelId="{06AE70CE-A802-49BE-8150-68E511CF02FD}" type="presOf" srcId="{2E1B39A7-7A14-4B94-9DCE-E56F3069CA33}" destId="{63CE118F-9142-4CC8-AAC8-BF3CB8BB02CD}" srcOrd="0" destOrd="0" presId="urn:microsoft.com/office/officeart/2005/8/layout/process5"/>
-    <dgm:cxn modelId="{EA3D067D-380F-400C-BBC5-6B067D4DD69C}" type="presOf" srcId="{1C851B15-8AD1-41E5-BD14-529ACBC8A332}" destId="{521FEBEB-0576-4113-8DFF-C4CE25793310}" srcOrd="1" destOrd="0" presId="urn:microsoft.com/office/officeart/2005/8/layout/process5"/>
-    <dgm:cxn modelId="{2CA35C0D-6891-4F3C-9201-4EBF6583BC20}" srcId="{AB5B1C37-69DE-41ED-8A9B-F226F0E40600}" destId="{76B92935-7BEF-4DCE-9E47-4AEE97CDB5E7}" srcOrd="8" destOrd="0" parTransId="{6DE26138-6629-4718-AF5A-C4319E367D18}" sibTransId="{1C851B15-8AD1-41E5-BD14-529ACBC8A332}"/>
-    <dgm:cxn modelId="{C9028E68-E51D-44B7-BA1F-521F899A4701}" type="presOf" srcId="{E48BA875-0344-4EDD-BF7E-F6C5905262D8}" destId="{9CE0DD54-39C2-4AAD-9435-83F0E6FD4AB8}" srcOrd="0" destOrd="0" presId="urn:microsoft.com/office/officeart/2005/8/layout/process5"/>
-    <dgm:cxn modelId="{CA149870-CAD3-458D-BD3E-73A295E2D210}" type="presOf" srcId="{CCD5B1D0-A826-41E0-9AD5-607A821984AB}" destId="{25792381-3CD8-43B2-A324-21AC3F06EBBE}" srcOrd="1" destOrd="0" presId="urn:microsoft.com/office/officeart/2005/8/layout/process5"/>
-    <dgm:cxn modelId="{84FC90E1-8ECB-4742-AD28-192A509F8728}" srcId="{AB5B1C37-69DE-41ED-8A9B-F226F0E40600}" destId="{1B463C33-3B52-45E9-8D0F-6A018D5DACAF}" srcOrd="9" destOrd="0" parTransId="{7DED3C88-9887-4E3B-A044-2BDB3BAE0BC6}" sibTransId="{15685B76-5C96-4BA3-A2C0-FF33676A2042}"/>
-    <dgm:cxn modelId="{4349DF4B-E811-4CB4-8F66-9A2C260D3635}" type="presOf" srcId="{DE2E1830-BAC7-46A3-BE6B-63135A1DBDDF}" destId="{B45BBCF7-2388-436D-9A2D-2D562E223D1B}" srcOrd="0" destOrd="0" presId="urn:microsoft.com/office/officeart/2005/8/layout/process5"/>
-    <dgm:cxn modelId="{EB1D2B94-102F-476D-BC6C-757447DD6B42}" srcId="{AB5B1C37-69DE-41ED-8A9B-F226F0E40600}" destId="{2E1B39A7-7A14-4B94-9DCE-E56F3069CA33}" srcOrd="0" destOrd="0" parTransId="{567794EE-82D9-40B1-9FC4-5C7281E8DD79}" sibTransId="{14E310AA-8F76-48CD-96C0-9EB186EB1FB1}"/>
-    <dgm:cxn modelId="{608C5302-256E-4987-A27D-7BEA863DFAFC}" type="presOf" srcId="{D47F2193-145F-4655-8B1E-AB8E947820D9}" destId="{A3BABC93-7449-40CB-973A-0BA3809A8F0F}" srcOrd="1" destOrd="0" presId="urn:microsoft.com/office/officeart/2005/8/layout/process5"/>
-    <dgm:cxn modelId="{03CD7936-453E-41D3-8836-70B55DE3CC93}" type="presOf" srcId="{AB5B1C37-69DE-41ED-8A9B-F226F0E40600}" destId="{4CA36187-7758-486A-AA25-6895D8A789A8}" srcOrd="0" destOrd="0" presId="urn:microsoft.com/office/officeart/2005/8/layout/process5"/>
-    <dgm:cxn modelId="{C6ABCC24-8302-4C26-A732-FEDDC3DF1BE0}" srcId="{AB5B1C37-69DE-41ED-8A9B-F226F0E40600}" destId="{2AF5C438-245E-468B-8C55-D71527F902D1}" srcOrd="7" destOrd="0" parTransId="{B613FAB8-C812-4AB1-9D25-75B826A2F124}" sibTransId="{352B0E50-7923-494C-9E9B-4162FDCFCAFA}"/>
-    <dgm:cxn modelId="{817C0ED0-C0AE-4012-8FBF-547BCB8622CB}" type="presOf" srcId="{3CCC27BF-F970-40AE-942A-88CE6EEAFEAB}" destId="{940586C3-78CD-4EDF-931D-F74DE1C37342}" srcOrd="0" destOrd="0" presId="urn:microsoft.com/office/officeart/2005/8/layout/process5"/>
-    <dgm:cxn modelId="{B01FD0DE-BB83-44B4-B3E1-867EE865B019}" type="presOf" srcId="{5A96196B-E027-42C0-8BDA-08DE5C49A975}" destId="{BFACEDEF-157A-4DA6-AF44-659CBD5454A8}" srcOrd="1" destOrd="0" presId="urn:microsoft.com/office/officeart/2005/8/layout/process5"/>
-    <dgm:cxn modelId="{9C11A233-6806-43B9-B13C-1DBB9C8FEBBA}" type="presOf" srcId="{71DD9690-EB87-40FC-A416-F018365D602B}" destId="{5DD1498A-C3D8-44BC-9E5C-4527DA1E6703}" srcOrd="0" destOrd="0" presId="urn:microsoft.com/office/officeart/2005/8/layout/process5"/>
-    <dgm:cxn modelId="{4EEF7E76-4A05-4906-B626-150D04ECDB2F}" type="presOf" srcId="{1C851B15-8AD1-41E5-BD14-529ACBC8A332}" destId="{1AB638A6-1292-4BC0-845E-8DD832EACDE4}" srcOrd="0" destOrd="0" presId="urn:microsoft.com/office/officeart/2005/8/layout/process5"/>
-    <dgm:cxn modelId="{B5F836D2-E09A-42DF-9E8E-4A06BA6AD09D}" srcId="{AB5B1C37-69DE-41ED-8A9B-F226F0E40600}" destId="{E8C537CA-CFAC-4465-BE6C-BF55267124AA}" srcOrd="11" destOrd="0" parTransId="{595861BC-99CD-46EC-9818-D9DF9E99E051}" sibTransId="{D47F2193-145F-4655-8B1E-AB8E947820D9}"/>
     <dgm:cxn modelId="{10D7D58E-D6FE-402D-AD92-943672A1706C}" type="presOf" srcId="{F6DD4A35-8E76-4698-B085-F23C810B4599}" destId="{E74057B0-E55D-49A5-8F06-CF9D2C33D4FF}" srcOrd="0" destOrd="0" presId="urn:microsoft.com/office/officeart/2005/8/layout/process5"/>
-    <dgm:cxn modelId="{9804AE42-5C82-4F3F-9297-4F132839F5FD}" type="presOf" srcId="{28FD3D8D-53C3-4EF4-95A2-2A57C21C1A3F}" destId="{D0037001-12A3-4C9F-A599-1B3BF6E2C905}" srcOrd="1" destOrd="0" presId="urn:microsoft.com/office/officeart/2005/8/layout/process5"/>
-    <dgm:cxn modelId="{53A75BEF-F4FE-449F-BC15-CE987C3823D5}" type="presOf" srcId="{5A96196B-E027-42C0-8BDA-08DE5C49A975}" destId="{032CB8CC-BF05-4C8C-B46F-A36B41146929}" srcOrd="0" destOrd="0" presId="urn:microsoft.com/office/officeart/2005/8/layout/process5"/>
-    <dgm:cxn modelId="{DE6C4934-42DA-429B-9868-DB54EFDAC1C3}" type="presOf" srcId="{6764B805-BB93-4A4E-9E36-48819848DCB0}" destId="{85696C33-182C-4BA9-B71C-D0E96E170F50}" srcOrd="1" destOrd="0" presId="urn:microsoft.com/office/officeart/2005/8/layout/process5"/>
-    <dgm:cxn modelId="{4FA22CFB-8300-4A76-B7C9-6C05AD5AC5CB}" srcId="{AB5B1C37-69DE-41ED-8A9B-F226F0E40600}" destId="{390E121F-98EC-4DD7-A7CF-E204B39DF167}" srcOrd="1" destOrd="0" parTransId="{ACAA3A48-CB3F-440B-B507-3D8A0C5C5A37}" sibTransId="{CCD5B1D0-A826-41E0-9AD5-607A821984AB}"/>
+    <dgm:cxn modelId="{048843D2-EB1A-44AF-A01A-389BB5FB2B53}" srcId="{AB5B1C37-69DE-41ED-8A9B-F226F0E40600}" destId="{E48BA875-0344-4EDD-BF7E-F6C5905262D8}" srcOrd="13" destOrd="0" parTransId="{838ADA12-00E2-4558-BA85-0AEDBC51CBB1}" sibTransId="{5A96196B-E027-42C0-8BDA-08DE5C49A975}"/>
+    <dgm:cxn modelId="{B7A4E3D1-4890-40C6-A779-6CCB44F74B35}" srcId="{AB5B1C37-69DE-41ED-8A9B-F226F0E40600}" destId="{71DD9690-EB87-40FC-A416-F018365D602B}" srcOrd="12" destOrd="0" parTransId="{57203671-8C87-4F53-B0E5-9D4F42BC76A2}" sibTransId="{28FD3D8D-53C3-4EF4-95A2-2A57C21C1A3F}"/>
+    <dgm:cxn modelId="{D35CFE5B-0132-44F1-B9DF-188CFCEBAAA5}" type="presOf" srcId="{6764B805-BB93-4A4E-9E36-48819848DCB0}" destId="{DEC679EB-2799-46C1-90F2-EE5825B68383}" srcOrd="0" destOrd="0" presId="urn:microsoft.com/office/officeart/2005/8/layout/process5"/>
     <dgm:cxn modelId="{E5FCDC6F-4E70-42FB-B994-AD396986174D}" type="presOf" srcId="{E8C537CA-CFAC-4465-BE6C-BF55267124AA}" destId="{EC4DBE40-1F90-4072-823A-1E09E26F5F8B}" srcOrd="0" destOrd="0" presId="urn:microsoft.com/office/officeart/2005/8/layout/process5"/>
-    <dgm:cxn modelId="{F97CF261-1250-4EFF-9449-41792DCDB7A6}" type="presOf" srcId="{C7939CE4-04E2-455F-846A-B2A915CF6B49}" destId="{F41D2CE0-03DE-43A6-AD41-BEF2A391E549}" srcOrd="0" destOrd="0" presId="urn:microsoft.com/office/officeart/2005/8/layout/process5"/>
-    <dgm:cxn modelId="{145CBD46-2DB9-402A-82B3-E6BC86E7929D}" srcId="{AB5B1C37-69DE-41ED-8A9B-F226F0E40600}" destId="{3CCC27BF-F970-40AE-942A-88CE6EEAFEAB}" srcOrd="5" destOrd="0" parTransId="{A223C013-3890-4FCB-9E13-58EAD09368C6}" sibTransId="{BED52646-BA1A-45D7-8AF7-482098E64C8B}"/>
-    <dgm:cxn modelId="{6C32182E-5457-4E33-94D9-461C4E344BE6}" type="presOf" srcId="{EEEF94BF-32B3-48BF-A8AA-CCEE67E25A97}" destId="{787283D2-DC31-4C5F-933D-F24E8169EDC8}" srcOrd="0" destOrd="0" presId="urn:microsoft.com/office/officeart/2005/8/layout/process5"/>
-    <dgm:cxn modelId="{D6698D67-E00A-4F7E-AC2E-6220D04DDA62}" type="presOf" srcId="{1B463C33-3B52-45E9-8D0F-6A018D5DACAF}" destId="{5BACB6AB-CAC5-4E01-BE11-BD6799C01AAA}" srcOrd="0" destOrd="0" presId="urn:microsoft.com/office/officeart/2005/8/layout/process5"/>
-    <dgm:cxn modelId="{19DFEC85-58C5-44BD-8DE8-1375ECDAB41C}" srcId="{AB5B1C37-69DE-41ED-8A9B-F226F0E40600}" destId="{7373010A-702B-4ED8-A41A-4170220F3355}" srcOrd="2" destOrd="0" parTransId="{FA3E0431-1EED-441C-94FD-11020A93E272}" sibTransId="{071759C0-0041-429E-89C5-A79164BBE149}"/>
-    <dgm:cxn modelId="{381A00CD-2E80-48C8-BA66-B813DB760EAB}" srcId="{AB5B1C37-69DE-41ED-8A9B-F226F0E40600}" destId="{1408972C-04E1-4A15-8279-875DF3E2F9EA}" srcOrd="6" destOrd="0" parTransId="{4C1752EB-6485-4C40-83CE-2D0C8D784D8B}" sibTransId="{9923F46D-E12B-445C-B32C-C214E112C5E4}"/>
-    <dgm:cxn modelId="{8116A8B5-653E-41ED-8703-E40DE39C27F5}" srcId="{AB5B1C37-69DE-41ED-8A9B-F226F0E40600}" destId="{DE2E1830-BAC7-46A3-BE6B-63135A1DBDDF}" srcOrd="4" destOrd="0" parTransId="{165F65A1-66D2-443C-AFEE-2DBC436532AA}" sibTransId="{6764B805-BB93-4A4E-9E36-48819848DCB0}"/>
-    <dgm:cxn modelId="{7BEF9E41-1FFD-40B3-AA96-41E9320B0108}" type="presOf" srcId="{D47F2193-145F-4655-8B1E-AB8E947820D9}" destId="{245CB016-E536-4099-BD43-ED1A0E2850EC}" srcOrd="0" destOrd="0" presId="urn:microsoft.com/office/officeart/2005/8/layout/process5"/>
-    <dgm:cxn modelId="{9324AF9B-C997-4486-9C0B-C44E22F1CA53}" type="presOf" srcId="{BED52646-BA1A-45D7-8AF7-482098E64C8B}" destId="{2F72D3D0-86E0-4B4C-97CF-39DE424A39FD}" srcOrd="1" destOrd="0" presId="urn:microsoft.com/office/officeart/2005/8/layout/process5"/>
-    <dgm:cxn modelId="{E33F4E75-5B79-4B79-9716-BF614C445624}" type="presOf" srcId="{352B0E50-7923-494C-9E9B-4162FDCFCAFA}" destId="{86651481-FF04-44BD-A562-EDE89FD7BA2F}" srcOrd="0" destOrd="0" presId="urn:microsoft.com/office/officeart/2005/8/layout/process5"/>
-    <dgm:cxn modelId="{B3BBD231-9803-4585-8B88-4BF7BE26A0C7}" type="presOf" srcId="{9923F46D-E12B-445C-B32C-C214E112C5E4}" destId="{6EEDDD97-4856-450C-A7D4-2CD4709F929E}" srcOrd="0" destOrd="0" presId="urn:microsoft.com/office/officeart/2005/8/layout/process5"/>
-    <dgm:cxn modelId="{5B1297C2-70ED-4048-B713-44DE9353FE24}" srcId="{AB5B1C37-69DE-41ED-8A9B-F226F0E40600}" destId="{F6DD4A35-8E76-4698-B085-F23C810B4599}" srcOrd="14" destOrd="0" parTransId="{4054B2FE-B2BE-48C9-97BC-07DF4BB30EF5}" sibTransId="{8CED0282-1E52-41F9-9391-A9F7A10C6673}"/>
-    <dgm:cxn modelId="{90F37A4D-3D7D-4F48-A065-559336A53291}" type="presOf" srcId="{9923F46D-E12B-445C-B32C-C214E112C5E4}" destId="{04D10457-2331-42F3-BB04-650E3421CF20}" srcOrd="1" destOrd="0" presId="urn:microsoft.com/office/officeart/2005/8/layout/process5"/>
-    <dgm:cxn modelId="{048843D2-EB1A-44AF-A01A-389BB5FB2B53}" srcId="{AB5B1C37-69DE-41ED-8A9B-F226F0E40600}" destId="{E48BA875-0344-4EDD-BF7E-F6C5905262D8}" srcOrd="13" destOrd="0" parTransId="{838ADA12-00E2-4558-BA85-0AEDBC51CBB1}" sibTransId="{5A96196B-E027-42C0-8BDA-08DE5C49A975}"/>
-    <dgm:cxn modelId="{CC2D6A51-FA87-4F86-864A-A1F345DB6046}" type="presOf" srcId="{2AF5C438-245E-468B-8C55-D71527F902D1}" destId="{C6629E15-758C-41B8-82B8-42C5A8C7074B}" srcOrd="0" destOrd="0" presId="urn:microsoft.com/office/officeart/2005/8/layout/process5"/>
-    <dgm:cxn modelId="{8CE8EA9D-938A-4FCA-ABBF-537E15476141}" type="presOf" srcId="{EA9AA948-534B-4DD9-B4FB-0D690DBEDF07}" destId="{509032F7-9C60-4D06-A8CD-C328EA9F6465}" srcOrd="1" destOrd="0" presId="urn:microsoft.com/office/officeart/2005/8/layout/process5"/>
-    <dgm:cxn modelId="{86B5410B-6404-468E-9123-372653369BC6}" type="presOf" srcId="{14E310AA-8F76-48CD-96C0-9EB186EB1FB1}" destId="{02513033-D44E-4E72-9EBB-9E9134EB9B47}" srcOrd="1" destOrd="0" presId="urn:microsoft.com/office/officeart/2005/8/layout/process5"/>
-    <dgm:cxn modelId="{96E89778-6885-4FB6-9244-95F3B44FB16A}" type="presOf" srcId="{15685B76-5C96-4BA3-A2C0-FF33676A2042}" destId="{7F4525BD-C615-4E1A-A87B-65B97A26F2F7}" srcOrd="1" destOrd="0" presId="urn:microsoft.com/office/officeart/2005/8/layout/process5"/>
-    <dgm:cxn modelId="{A1CADADB-B691-49C2-9405-BAFD0A96F721}" type="presOf" srcId="{7373010A-702B-4ED8-A41A-4170220F3355}" destId="{0FB98FBF-B28F-4B7D-84F4-FEF463FF8EC5}" srcOrd="0" destOrd="0" presId="urn:microsoft.com/office/officeart/2005/8/layout/process5"/>
-    <dgm:cxn modelId="{259621AF-9F8D-40CF-8E53-38591A5661EC}" type="presOf" srcId="{390E121F-98EC-4DD7-A7CF-E204B39DF167}" destId="{3A4BC97F-37CA-4829-A88A-369F4D7D16BF}" srcOrd="0" destOrd="0" presId="urn:microsoft.com/office/officeart/2005/8/layout/process5"/>
     <dgm:cxn modelId="{F74B70DC-251B-42D3-8588-55EFFCBE41AA}" type="presOf" srcId="{28FD3D8D-53C3-4EF4-95A2-2A57C21C1A3F}" destId="{A1846374-733E-4755-94E6-8D6AA7C26CCB}" srcOrd="0" destOrd="0" presId="urn:microsoft.com/office/officeart/2005/8/layout/process5"/>
     <dgm:cxn modelId="{3D96E658-AA3C-4922-80EE-6792DC6D9328}" type="presOf" srcId="{EA9AA948-534B-4DD9-B4FB-0D690DBEDF07}" destId="{53F21E50-3FE7-44CF-8ADB-18482AFA795B}" srcOrd="0" destOrd="0" presId="urn:microsoft.com/office/officeart/2005/8/layout/process5"/>
+    <dgm:cxn modelId="{9324AF9B-C997-4486-9C0B-C44E22F1CA53}" type="presOf" srcId="{BED52646-BA1A-45D7-8AF7-482098E64C8B}" destId="{2F72D3D0-86E0-4B4C-97CF-39DE424A39FD}" srcOrd="1" destOrd="0" presId="urn:microsoft.com/office/officeart/2005/8/layout/process5"/>
+    <dgm:cxn modelId="{B5F836D2-E09A-42DF-9E8E-4A06BA6AD09D}" srcId="{AB5B1C37-69DE-41ED-8A9B-F226F0E40600}" destId="{E8C537CA-CFAC-4465-BE6C-BF55267124AA}" srcOrd="11" destOrd="0" parTransId="{595861BC-99CD-46EC-9818-D9DF9E99E051}" sibTransId="{D47F2193-145F-4655-8B1E-AB8E947820D9}"/>
+    <dgm:cxn modelId="{4FBDCE62-3C93-4C33-9240-D6F71265471D}" type="presOf" srcId="{15685B76-5C96-4BA3-A2C0-FF33676A2042}" destId="{89BC5668-20AB-4079-B523-AF9F3BAC5EBB}" srcOrd="0" destOrd="0" presId="urn:microsoft.com/office/officeart/2005/8/layout/process5"/>
+    <dgm:cxn modelId="{608C5302-256E-4987-A27D-7BEA863DFAFC}" type="presOf" srcId="{D47F2193-145F-4655-8B1E-AB8E947820D9}" destId="{A3BABC93-7449-40CB-973A-0BA3809A8F0F}" srcOrd="1" destOrd="0" presId="urn:microsoft.com/office/officeart/2005/8/layout/process5"/>
+    <dgm:cxn modelId="{CC2D6A51-FA87-4F86-864A-A1F345DB6046}" type="presOf" srcId="{2AF5C438-245E-468B-8C55-D71527F902D1}" destId="{C6629E15-758C-41B8-82B8-42C5A8C7074B}" srcOrd="0" destOrd="0" presId="urn:microsoft.com/office/officeart/2005/8/layout/process5"/>
+    <dgm:cxn modelId="{87A797EC-99CC-4429-A7A3-4F0B1F288D0C}" srcId="{AB5B1C37-69DE-41ED-8A9B-F226F0E40600}" destId="{C7939CE4-04E2-455F-846A-B2A915CF6B49}" srcOrd="3" destOrd="0" parTransId="{5EE040DF-7537-4341-836F-A5F63DA2F0BA}" sibTransId="{EEEF94BF-32B3-48BF-A8AA-CCEE67E25A97}"/>
+    <dgm:cxn modelId="{B01FD0DE-BB83-44B4-B3E1-867EE865B019}" type="presOf" srcId="{5A96196B-E027-42C0-8BDA-08DE5C49A975}" destId="{BFACEDEF-157A-4DA6-AF44-659CBD5454A8}" srcOrd="1" destOrd="0" presId="urn:microsoft.com/office/officeart/2005/8/layout/process5"/>
+    <dgm:cxn modelId="{53A75BEF-F4FE-449F-BC15-CE987C3823D5}" type="presOf" srcId="{5A96196B-E027-42C0-8BDA-08DE5C49A975}" destId="{032CB8CC-BF05-4C8C-B46F-A36B41146929}" srcOrd="0" destOrd="0" presId="urn:microsoft.com/office/officeart/2005/8/layout/process5"/>
+    <dgm:cxn modelId="{5B1297C2-70ED-4048-B713-44DE9353FE24}" srcId="{AB5B1C37-69DE-41ED-8A9B-F226F0E40600}" destId="{F6DD4A35-8E76-4698-B085-F23C810B4599}" srcOrd="14" destOrd="0" parTransId="{4054B2FE-B2BE-48C9-97BC-07DF4BB30EF5}" sibTransId="{8CED0282-1E52-41F9-9391-A9F7A10C6673}"/>
+    <dgm:cxn modelId="{4349DF4B-E811-4CB4-8F66-9A2C260D3635}" type="presOf" srcId="{DE2E1830-BAC7-46A3-BE6B-63135A1DBDDF}" destId="{B45BBCF7-2388-436D-9A2D-2D562E223D1B}" srcOrd="0" destOrd="0" presId="urn:microsoft.com/office/officeart/2005/8/layout/process5"/>
+    <dgm:cxn modelId="{D24DF3E5-DBC5-466D-995E-F39FC29A01DA}" type="presOf" srcId="{5D6FB9D1-63E2-4A38-ACE1-8B1F56541250}" destId="{FF31987F-28DF-4C28-B287-28C25572ABE9}" srcOrd="0" destOrd="0" presId="urn:microsoft.com/office/officeart/2005/8/layout/process5"/>
+    <dgm:cxn modelId="{D6698D67-E00A-4F7E-AC2E-6220D04DDA62}" type="presOf" srcId="{1B463C33-3B52-45E9-8D0F-6A018D5DACAF}" destId="{5BACB6AB-CAC5-4E01-BE11-BD6799C01AAA}" srcOrd="0" destOrd="0" presId="urn:microsoft.com/office/officeart/2005/8/layout/process5"/>
+    <dgm:cxn modelId="{C9028E68-E51D-44B7-BA1F-521F899A4701}" type="presOf" srcId="{E48BA875-0344-4EDD-BF7E-F6C5905262D8}" destId="{9CE0DD54-39C2-4AAD-9435-83F0E6FD4AB8}" srcOrd="0" destOrd="0" presId="urn:microsoft.com/office/officeart/2005/8/layout/process5"/>
+    <dgm:cxn modelId="{7BEF9E41-1FFD-40B3-AA96-41E9320B0108}" type="presOf" srcId="{D47F2193-145F-4655-8B1E-AB8E947820D9}" destId="{245CB016-E536-4099-BD43-ED1A0E2850EC}" srcOrd="0" destOrd="0" presId="urn:microsoft.com/office/officeart/2005/8/layout/process5"/>
+    <dgm:cxn modelId="{9804AE42-5C82-4F3F-9297-4F132839F5FD}" type="presOf" srcId="{28FD3D8D-53C3-4EF4-95A2-2A57C21C1A3F}" destId="{D0037001-12A3-4C9F-A599-1B3BF6E2C905}" srcOrd="1" destOrd="0" presId="urn:microsoft.com/office/officeart/2005/8/layout/process5"/>
+    <dgm:cxn modelId="{B3BBD231-9803-4585-8B88-4BF7BE26A0C7}" type="presOf" srcId="{9923F46D-E12B-445C-B32C-C214E112C5E4}" destId="{6EEDDD97-4856-450C-A7D4-2CD4709F929E}" srcOrd="0" destOrd="0" presId="urn:microsoft.com/office/officeart/2005/8/layout/process5"/>
+    <dgm:cxn modelId="{84FC90E1-8ECB-4742-AD28-192A509F8728}" srcId="{AB5B1C37-69DE-41ED-8A9B-F226F0E40600}" destId="{1B463C33-3B52-45E9-8D0F-6A018D5DACAF}" srcOrd="9" destOrd="0" parTransId="{7DED3C88-9887-4E3B-A044-2BDB3BAE0BC6}" sibTransId="{15685B76-5C96-4BA3-A2C0-FF33676A2042}"/>
+    <dgm:cxn modelId="{8116A8B5-653E-41ED-8703-E40DE39C27F5}" srcId="{AB5B1C37-69DE-41ED-8A9B-F226F0E40600}" destId="{DE2E1830-BAC7-46A3-BE6B-63135A1DBDDF}" srcOrd="4" destOrd="0" parTransId="{165F65A1-66D2-443C-AFEE-2DBC436532AA}" sibTransId="{6764B805-BB93-4A4E-9E36-48819848DCB0}"/>
+    <dgm:cxn modelId="{EA3D067D-380F-400C-BBC5-6B067D4DD69C}" type="presOf" srcId="{1C851B15-8AD1-41E5-BD14-529ACBC8A332}" destId="{521FEBEB-0576-4113-8DFF-C4CE25793310}" srcOrd="1" destOrd="0" presId="urn:microsoft.com/office/officeart/2005/8/layout/process5"/>
+    <dgm:cxn modelId="{9C11A233-6806-43B9-B13C-1DBB9C8FEBBA}" type="presOf" srcId="{71DD9690-EB87-40FC-A416-F018365D602B}" destId="{5DD1498A-C3D8-44BC-9E5C-4527DA1E6703}" srcOrd="0" destOrd="0" presId="urn:microsoft.com/office/officeart/2005/8/layout/process5"/>
+    <dgm:cxn modelId="{EED3FBA6-7604-4926-AE0C-D9FB036ADAFB}" type="presOf" srcId="{1408972C-04E1-4A15-8279-875DF3E2F9EA}" destId="{8DAED0D4-D883-489B-A93F-A42FBCBEB15C}" srcOrd="0" destOrd="0" presId="urn:microsoft.com/office/officeart/2005/8/layout/process5"/>
+    <dgm:cxn modelId="{CA149870-CAD3-458D-BD3E-73A295E2D210}" type="presOf" srcId="{CCD5B1D0-A826-41E0-9AD5-607A821984AB}" destId="{25792381-3CD8-43B2-A324-21AC3F06EBBE}" srcOrd="1" destOrd="0" presId="urn:microsoft.com/office/officeart/2005/8/layout/process5"/>
+    <dgm:cxn modelId="{6A20F945-5357-4F30-954F-A7FF14F2E7AF}" type="presOf" srcId="{071759C0-0041-429E-89C5-A79164BBE149}" destId="{5876F1DE-B8AB-4E39-9F0D-4116853BF538}" srcOrd="0" destOrd="0" presId="urn:microsoft.com/office/officeart/2005/8/layout/process5"/>
+    <dgm:cxn modelId="{19DFEC85-58C5-44BD-8DE8-1375ECDAB41C}" srcId="{AB5B1C37-69DE-41ED-8A9B-F226F0E40600}" destId="{7373010A-702B-4ED8-A41A-4170220F3355}" srcOrd="2" destOrd="0" parTransId="{FA3E0431-1EED-441C-94FD-11020A93E272}" sibTransId="{071759C0-0041-429E-89C5-A79164BBE149}"/>
+    <dgm:cxn modelId="{D21970DE-3F69-4E03-B1CF-EA3E70661A25}" type="presOf" srcId="{EEEF94BF-32B3-48BF-A8AA-CCEE67E25A97}" destId="{B72D9CCA-F1B3-4459-8EFB-A205B659F308}" srcOrd="1" destOrd="0" presId="urn:microsoft.com/office/officeart/2005/8/layout/process5"/>
+    <dgm:cxn modelId="{2CA35C0D-6891-4F3C-9201-4EBF6583BC20}" srcId="{AB5B1C37-69DE-41ED-8A9B-F226F0E40600}" destId="{76B92935-7BEF-4DCE-9E47-4AEE97CDB5E7}" srcOrd="8" destOrd="0" parTransId="{6DE26138-6629-4718-AF5A-C4319E367D18}" sibTransId="{1C851B15-8AD1-41E5-BD14-529ACBC8A332}"/>
+    <dgm:cxn modelId="{F97CF261-1250-4EFF-9449-41792DCDB7A6}" type="presOf" srcId="{C7939CE4-04E2-455F-846A-B2A915CF6B49}" destId="{F41D2CE0-03DE-43A6-AD41-BEF2A391E549}" srcOrd="0" destOrd="0" presId="urn:microsoft.com/office/officeart/2005/8/layout/process5"/>
+    <dgm:cxn modelId="{6C32182E-5457-4E33-94D9-461C4E344BE6}" type="presOf" srcId="{EEEF94BF-32B3-48BF-A8AA-CCEE67E25A97}" destId="{787283D2-DC31-4C5F-933D-F24E8169EDC8}" srcOrd="0" destOrd="0" presId="urn:microsoft.com/office/officeart/2005/8/layout/process5"/>
+    <dgm:cxn modelId="{C2A8FD5A-5E61-4FCB-B27F-9991939E08A2}" type="presOf" srcId="{76B92935-7BEF-4DCE-9E47-4AEE97CDB5E7}" destId="{EC90519D-653C-4218-9A18-B4BEF799A799}" srcOrd="0" destOrd="0" presId="urn:microsoft.com/office/officeart/2005/8/layout/process5"/>
+    <dgm:cxn modelId="{381A00CD-2E80-48C8-BA66-B813DB760EAB}" srcId="{AB5B1C37-69DE-41ED-8A9B-F226F0E40600}" destId="{1408972C-04E1-4A15-8279-875DF3E2F9EA}" srcOrd="6" destOrd="0" parTransId="{4C1752EB-6485-4C40-83CE-2D0C8D784D8B}" sibTransId="{9923F46D-E12B-445C-B32C-C214E112C5E4}"/>
     <dgm:cxn modelId="{9EDDEAFD-9221-451D-AFF6-18D7B356FAF9}" type="presOf" srcId="{BED52646-BA1A-45D7-8AF7-482098E64C8B}" destId="{6301015F-424B-4CC0-91B1-756CF871A347}" srcOrd="0" destOrd="0" presId="urn:microsoft.com/office/officeart/2005/8/layout/process5"/>
+    <dgm:cxn modelId="{8CE8EA9D-938A-4FCA-ABBF-537E15476141}" type="presOf" srcId="{EA9AA948-534B-4DD9-B4FB-0D690DBEDF07}" destId="{509032F7-9C60-4D06-A8CD-C328EA9F6465}" srcOrd="1" destOrd="0" presId="urn:microsoft.com/office/officeart/2005/8/layout/process5"/>
+    <dgm:cxn modelId="{F1FFA344-B510-4605-9E8E-5C6ABAE52B68}" srcId="{AB5B1C37-69DE-41ED-8A9B-F226F0E40600}" destId="{5D6FB9D1-63E2-4A38-ACE1-8B1F56541250}" srcOrd="10" destOrd="0" parTransId="{6DD42969-541C-4957-9E1B-0FBD8634476C}" sibTransId="{EA9AA948-534B-4DD9-B4FB-0D690DBEDF07}"/>
+    <dgm:cxn modelId="{1811D1A0-3A88-4418-9158-F812BDC091EA}" type="presOf" srcId="{14E310AA-8F76-48CD-96C0-9EB186EB1FB1}" destId="{48924F06-028A-4E81-AB80-E867528E89A0}" srcOrd="0" destOrd="0" presId="urn:microsoft.com/office/officeart/2005/8/layout/process5"/>
+    <dgm:cxn modelId="{E33F4E75-5B79-4B79-9716-BF614C445624}" type="presOf" srcId="{352B0E50-7923-494C-9E9B-4162FDCFCAFA}" destId="{86651481-FF04-44BD-A562-EDE89FD7BA2F}" srcOrd="0" destOrd="0" presId="urn:microsoft.com/office/officeart/2005/8/layout/process5"/>
+    <dgm:cxn modelId="{BC8CCC1C-651E-4D7D-B245-59DD826A7B70}" type="presOf" srcId="{CCD5B1D0-A826-41E0-9AD5-607A821984AB}" destId="{4115D3B3-E953-4869-93FF-DAB29CF1771B}" srcOrd="0" destOrd="0" presId="urn:microsoft.com/office/officeart/2005/8/layout/process5"/>
+    <dgm:cxn modelId="{86B5410B-6404-468E-9123-372653369BC6}" type="presOf" srcId="{14E310AA-8F76-48CD-96C0-9EB186EB1FB1}" destId="{02513033-D44E-4E72-9EBB-9E9134EB9B47}" srcOrd="1" destOrd="0" presId="urn:microsoft.com/office/officeart/2005/8/layout/process5"/>
+    <dgm:cxn modelId="{259621AF-9F8D-40CF-8E53-38591A5661EC}" type="presOf" srcId="{390E121F-98EC-4DD7-A7CF-E204B39DF167}" destId="{3A4BC97F-37CA-4829-A88A-369F4D7D16BF}" srcOrd="0" destOrd="0" presId="urn:microsoft.com/office/officeart/2005/8/layout/process5"/>
+    <dgm:cxn modelId="{817C0ED0-C0AE-4012-8FBF-547BCB8622CB}" type="presOf" srcId="{3CCC27BF-F970-40AE-942A-88CE6EEAFEAB}" destId="{940586C3-78CD-4EDF-931D-F74DE1C37342}" srcOrd="0" destOrd="0" presId="urn:microsoft.com/office/officeart/2005/8/layout/process5"/>
+    <dgm:cxn modelId="{145CBD46-2DB9-402A-82B3-E6BC86E7929D}" srcId="{AB5B1C37-69DE-41ED-8A9B-F226F0E40600}" destId="{3CCC27BF-F970-40AE-942A-88CE6EEAFEAB}" srcOrd="5" destOrd="0" parTransId="{A223C013-3890-4FCB-9E13-58EAD09368C6}" sibTransId="{BED52646-BA1A-45D7-8AF7-482098E64C8B}"/>
+    <dgm:cxn modelId="{4EEF7E76-4A05-4906-B626-150D04ECDB2F}" type="presOf" srcId="{1C851B15-8AD1-41E5-BD14-529ACBC8A332}" destId="{1AB638A6-1292-4BC0-845E-8DD832EACDE4}" srcOrd="0" destOrd="0" presId="urn:microsoft.com/office/officeart/2005/8/layout/process5"/>
+    <dgm:cxn modelId="{96E89778-6885-4FB6-9244-95F3B44FB16A}" type="presOf" srcId="{15685B76-5C96-4BA3-A2C0-FF33676A2042}" destId="{7F4525BD-C615-4E1A-A87B-65B97A26F2F7}" srcOrd="1" destOrd="0" presId="urn:microsoft.com/office/officeart/2005/8/layout/process5"/>
+    <dgm:cxn modelId="{4FA22CFB-8300-4A76-B7C9-6C05AD5AC5CB}" srcId="{AB5B1C37-69DE-41ED-8A9B-F226F0E40600}" destId="{390E121F-98EC-4DD7-A7CF-E204B39DF167}" srcOrd="1" destOrd="0" parTransId="{ACAA3A48-CB3F-440B-B507-3D8A0C5C5A37}" sibTransId="{CCD5B1D0-A826-41E0-9AD5-607A821984AB}"/>
+    <dgm:cxn modelId="{03CD7936-453E-41D3-8836-70B55DE3CC93}" type="presOf" srcId="{AB5B1C37-69DE-41ED-8A9B-F226F0E40600}" destId="{4CA36187-7758-486A-AA25-6895D8A789A8}" srcOrd="0" destOrd="0" presId="urn:microsoft.com/office/officeart/2005/8/layout/process5"/>
     <dgm:cxn modelId="{360B2DB1-B830-4456-B940-A1B8530EEB2F}" type="presOf" srcId="{352B0E50-7923-494C-9E9B-4162FDCFCAFA}" destId="{0E1A1D26-DE18-4F29-BA1E-707C06178643}" srcOrd="1" destOrd="0" presId="urn:microsoft.com/office/officeart/2005/8/layout/process5"/>
-    <dgm:cxn modelId="{D24DF3E5-DBC5-466D-995E-F39FC29A01DA}" type="presOf" srcId="{5D6FB9D1-63E2-4A38-ACE1-8B1F56541250}" destId="{FF31987F-28DF-4C28-B287-28C25572ABE9}" srcOrd="0" destOrd="0" presId="urn:microsoft.com/office/officeart/2005/8/layout/process5"/>
-    <dgm:cxn modelId="{BC8CCC1C-651E-4D7D-B245-59DD826A7B70}" type="presOf" srcId="{CCD5B1D0-A826-41E0-9AD5-607A821984AB}" destId="{4115D3B3-E953-4869-93FF-DAB29CF1771B}" srcOrd="0" destOrd="0" presId="urn:microsoft.com/office/officeart/2005/8/layout/process5"/>
-    <dgm:cxn modelId="{D21970DE-3F69-4E03-B1CF-EA3E70661A25}" type="presOf" srcId="{EEEF94BF-32B3-48BF-A8AA-CCEE67E25A97}" destId="{B72D9CCA-F1B3-4459-8EFB-A205B659F308}" srcOrd="1" destOrd="0" presId="urn:microsoft.com/office/officeart/2005/8/layout/process5"/>
-    <dgm:cxn modelId="{1811D1A0-3A88-4418-9158-F812BDC091EA}" type="presOf" srcId="{14E310AA-8F76-48CD-96C0-9EB186EB1FB1}" destId="{48924F06-028A-4E81-AB80-E867528E89A0}" srcOrd="0" destOrd="0" presId="urn:microsoft.com/office/officeart/2005/8/layout/process5"/>
-    <dgm:cxn modelId="{EED3FBA6-7604-4926-AE0C-D9FB036ADAFB}" type="presOf" srcId="{1408972C-04E1-4A15-8279-875DF3E2F9EA}" destId="{8DAED0D4-D883-489B-A93F-A42FBCBEB15C}" srcOrd="0" destOrd="0" presId="urn:microsoft.com/office/officeart/2005/8/layout/process5"/>
-    <dgm:cxn modelId="{87A797EC-99CC-4429-A7A3-4F0B1F288D0C}" srcId="{AB5B1C37-69DE-41ED-8A9B-F226F0E40600}" destId="{C7939CE4-04E2-455F-846A-B2A915CF6B49}" srcOrd="3" destOrd="0" parTransId="{5EE040DF-7537-4341-836F-A5F63DA2F0BA}" sibTransId="{EEEF94BF-32B3-48BF-A8AA-CCEE67E25A97}"/>
-    <dgm:cxn modelId="{D35CFE5B-0132-44F1-B9DF-188CFCEBAAA5}" type="presOf" srcId="{6764B805-BB93-4A4E-9E36-48819848DCB0}" destId="{DEC679EB-2799-46C1-90F2-EE5825B68383}" srcOrd="0" destOrd="0" presId="urn:microsoft.com/office/officeart/2005/8/layout/process5"/>
-    <dgm:cxn modelId="{F1FFA344-B510-4605-9E8E-5C6ABAE52B68}" srcId="{AB5B1C37-69DE-41ED-8A9B-F226F0E40600}" destId="{5D6FB9D1-63E2-4A38-ACE1-8B1F56541250}" srcOrd="10" destOrd="0" parTransId="{6DD42969-541C-4957-9E1B-0FBD8634476C}" sibTransId="{EA9AA948-534B-4DD9-B4FB-0D690DBEDF07}"/>
+    <dgm:cxn modelId="{DE6C4934-42DA-429B-9868-DB54EFDAC1C3}" type="presOf" srcId="{6764B805-BB93-4A4E-9E36-48819848DCB0}" destId="{85696C33-182C-4BA9-B71C-D0E96E170F50}" srcOrd="1" destOrd="0" presId="urn:microsoft.com/office/officeart/2005/8/layout/process5"/>
+    <dgm:cxn modelId="{06AE70CE-A802-49BE-8150-68E511CF02FD}" type="presOf" srcId="{2E1B39A7-7A14-4B94-9DCE-E56F3069CA33}" destId="{63CE118F-9142-4CC8-AAC8-BF3CB8BB02CD}" srcOrd="0" destOrd="0" presId="urn:microsoft.com/office/officeart/2005/8/layout/process5"/>
+    <dgm:cxn modelId="{90F37A4D-3D7D-4F48-A065-559336A53291}" type="presOf" srcId="{9923F46D-E12B-445C-B32C-C214E112C5E4}" destId="{04D10457-2331-42F3-BB04-650E3421CF20}" srcOrd="1" destOrd="0" presId="urn:microsoft.com/office/officeart/2005/8/layout/process5"/>
+    <dgm:cxn modelId="{C6ABCC24-8302-4C26-A732-FEDDC3DF1BE0}" srcId="{AB5B1C37-69DE-41ED-8A9B-F226F0E40600}" destId="{2AF5C438-245E-468B-8C55-D71527F902D1}" srcOrd="7" destOrd="0" parTransId="{B613FAB8-C812-4AB1-9D25-75B826A2F124}" sibTransId="{352B0E50-7923-494C-9E9B-4162FDCFCAFA}"/>
     <dgm:cxn modelId="{056AB020-DAEE-41D4-B632-2E6880753824}" type="presOf" srcId="{071759C0-0041-429E-89C5-A79164BBE149}" destId="{87256524-84DC-4D47-9CFE-2D58B2B2FF77}" srcOrd="1" destOrd="0" presId="urn:microsoft.com/office/officeart/2005/8/layout/process5"/>
-    <dgm:cxn modelId="{B7A4E3D1-4890-40C6-A779-6CCB44F74B35}" srcId="{AB5B1C37-69DE-41ED-8A9B-F226F0E40600}" destId="{71DD9690-EB87-40FC-A416-F018365D602B}" srcOrd="12" destOrd="0" parTransId="{57203671-8C87-4F53-B0E5-9D4F42BC76A2}" sibTransId="{28FD3D8D-53C3-4EF4-95A2-2A57C21C1A3F}"/>
-    <dgm:cxn modelId="{4FBDCE62-3C93-4C33-9240-D6F71265471D}" type="presOf" srcId="{15685B76-5C96-4BA3-A2C0-FF33676A2042}" destId="{89BC5668-20AB-4079-B523-AF9F3BAC5EBB}" srcOrd="0" destOrd="0" presId="urn:microsoft.com/office/officeart/2005/8/layout/process5"/>
+    <dgm:cxn modelId="{A1CADADB-B691-49C2-9405-BAFD0A96F721}" type="presOf" srcId="{7373010A-702B-4ED8-A41A-4170220F3355}" destId="{0FB98FBF-B28F-4B7D-84F4-FEF463FF8EC5}" srcOrd="0" destOrd="0" presId="urn:microsoft.com/office/officeart/2005/8/layout/process5"/>
+    <dgm:cxn modelId="{EB1D2B94-102F-476D-BC6C-757447DD6B42}" srcId="{AB5B1C37-69DE-41ED-8A9B-F226F0E40600}" destId="{2E1B39A7-7A14-4B94-9DCE-E56F3069CA33}" srcOrd="0" destOrd="0" parTransId="{567794EE-82D9-40B1-9FC4-5C7281E8DD79}" sibTransId="{14E310AA-8F76-48CD-96C0-9EB186EB1FB1}"/>
     <dgm:cxn modelId="{F44C813F-337A-4894-A223-50A8E8FFE447}" type="presParOf" srcId="{4CA36187-7758-486A-AA25-6895D8A789A8}" destId="{63CE118F-9142-4CC8-AAC8-BF3CB8BB02CD}" srcOrd="0" destOrd="0" presId="urn:microsoft.com/office/officeart/2005/8/layout/process5"/>
     <dgm:cxn modelId="{44D18516-46A0-4E3F-9A8C-07EFA8C85B79}" type="presParOf" srcId="{4CA36187-7758-486A-AA25-6895D8A789A8}" destId="{48924F06-028A-4E81-AB80-E867528E89A0}" srcOrd="1" destOrd="0" presId="urn:microsoft.com/office/officeart/2005/8/layout/process5"/>
     <dgm:cxn modelId="{E61EFC57-FCD1-426F-B616-CA9D874EE4F5}" type="presParOf" srcId="{48924F06-028A-4E81-AB80-E867528E89A0}" destId="{02513033-D44E-4E72-9EBB-9E9134EB9B47}" srcOrd="0" destOrd="0" presId="urn:microsoft.com/office/officeart/2005/8/layout/process5"/>
@@ -35504,8 +35504,8 @@
         </p:nvSpPr>
         <p:spPr>
           <a:xfrm>
-            <a:off x="140678" y="1354015"/>
-            <a:ext cx="11175022" cy="6001643"/>
+            <a:off x="223805" y="1420516"/>
+            <a:ext cx="11175022" cy="5262979"/>
           </a:xfrm>
           <a:prstGeom prst="rect">
             <a:avLst/>
@@ -35537,9 +35537,29 @@
             </a:r>
           </a:p>
           <a:p>
-            <a:endParaRPr lang="en-US" sz="2400" dirty="0" smtClean="0">
-              <a:latin typeface="Arial Narrow" panose="020B0606020202030204" pitchFamily="34" charset="0"/>
-            </a:endParaRPr>
+            <a:pPr marL="285750" indent="-285750">
+              <a:buBlip>
+                <a:blip r:embed="rId2"/>
+              </a:buBlip>
+            </a:pPr>
+            <a:r>
+              <a:rPr lang="en-US" sz="2400" b="1" dirty="0" smtClean="0">
+                <a:latin typeface="Arial Narrow" panose="020B0606020202030204" pitchFamily="34" charset="0"/>
+              </a:rPr>
+              <a:t> </a:t>
+            </a:r>
+            <a:r>
+              <a:rPr lang="en-US" sz="2400" b="1" dirty="0" smtClean="0">
+                <a:latin typeface="Arial Narrow" panose="020B0606020202030204" pitchFamily="34" charset="0"/>
+              </a:rPr>
+              <a:t>Paper Survey Generation </a:t>
+            </a:r>
+            <a:r>
+              <a:rPr lang="en-US" sz="2400" dirty="0" smtClean="0">
+                <a:latin typeface="Arial Narrow" panose="020B0606020202030204" pitchFamily="34" charset="0"/>
+              </a:rPr>
+              <a:t>for latest file formats.</a:t>
+            </a:r>
           </a:p>
           <a:p>
             <a:pPr marL="285750" indent="-285750">
@@ -35551,13 +35571,144 @@
               <a:rPr lang="en-US" sz="2400" b="1" dirty="0" smtClean="0">
                 <a:latin typeface="Arial Narrow" panose="020B0606020202030204" pitchFamily="34" charset="0"/>
               </a:rPr>
-              <a:t> Paper Survey Generation </a:t>
+              <a:t> </a:t>
+            </a:r>
+            <a:r>
+              <a:rPr lang="en-US" sz="2400" b="1" dirty="0" smtClean="0">
+                <a:latin typeface="Arial Narrow" panose="020B0606020202030204" pitchFamily="34" charset="0"/>
+              </a:rPr>
+              <a:t>Live</a:t>
             </a:r>
             <a:r>
               <a:rPr lang="en-US" sz="2400" dirty="0" smtClean="0">
                 <a:latin typeface="Arial Narrow" panose="020B0606020202030204" pitchFamily="34" charset="0"/>
               </a:rPr>
-              <a:t>for latest file formats.</a:t>
+              <a:t> Infographics. </a:t>
+            </a:r>
+          </a:p>
+          <a:p>
+            <a:pPr marL="285750" indent="-285750">
+              <a:buBlip>
+                <a:blip r:embed="rId2"/>
+              </a:buBlip>
+            </a:pPr>
+            <a:r>
+              <a:rPr lang="en-US" sz="2400" b="1" dirty="0" smtClean="0">
+                <a:latin typeface="Arial Narrow" panose="020B0606020202030204" pitchFamily="34" charset="0"/>
+              </a:rPr>
+              <a:t> </a:t>
+            </a:r>
+            <a:r>
+              <a:rPr lang="en-US" sz="2400" b="1" dirty="0" smtClean="0">
+                <a:latin typeface="Arial Narrow" panose="020B0606020202030204" pitchFamily="34" charset="0"/>
+              </a:rPr>
+              <a:t>Collaborative graphs </a:t>
+            </a:r>
+            <a:r>
+              <a:rPr lang="en-US" sz="2400" dirty="0" smtClean="0">
+                <a:latin typeface="Arial Narrow" panose="020B0606020202030204" pitchFamily="34" charset="0"/>
+              </a:rPr>
+              <a:t>and downloadable formats.</a:t>
+            </a:r>
+          </a:p>
+          <a:p>
+            <a:pPr marL="285750" indent="-285750">
+              <a:buBlip>
+                <a:blip r:embed="rId2"/>
+              </a:buBlip>
+            </a:pPr>
+            <a:r>
+              <a:rPr lang="en-US" sz="2400" b="1" dirty="0" smtClean="0">
+                <a:latin typeface="Arial Narrow" panose="020B0606020202030204" pitchFamily="34" charset="0"/>
+              </a:rPr>
+              <a:t> </a:t>
+            </a:r>
+            <a:r>
+              <a:rPr lang="en-US" sz="2400" b="1" dirty="0" smtClean="0">
+                <a:latin typeface="Arial Narrow" panose="020B0606020202030204" pitchFamily="34" charset="0"/>
+              </a:rPr>
+              <a:t>UX/UI</a:t>
+            </a:r>
+            <a:r>
+              <a:rPr lang="en-US" sz="2400" dirty="0" smtClean="0">
+                <a:latin typeface="Arial Narrow" panose="020B0606020202030204" pitchFamily="34" charset="0"/>
+              </a:rPr>
+              <a:t> Design. </a:t>
+            </a:r>
+          </a:p>
+          <a:p>
+            <a:pPr marL="285750" indent="-285750">
+              <a:buBlip>
+                <a:blip r:embed="rId2"/>
+              </a:buBlip>
+            </a:pPr>
+            <a:r>
+              <a:rPr lang="en-US" sz="2400" b="1" dirty="0" smtClean="0">
+                <a:latin typeface="Arial Narrow" panose="020B0606020202030204" pitchFamily="34" charset="0"/>
+              </a:rPr>
+              <a:t> </a:t>
+            </a:r>
+            <a:r>
+              <a:rPr lang="en-US" sz="2400" b="1" dirty="0" smtClean="0">
+                <a:latin typeface="Arial Narrow" panose="020B0606020202030204" pitchFamily="34" charset="0"/>
+              </a:rPr>
+              <a:t>One click Link </a:t>
+            </a:r>
+            <a:r>
+              <a:rPr lang="en-US" sz="2400" dirty="0" smtClean="0">
+                <a:latin typeface="Arial Narrow" panose="020B0606020202030204" pitchFamily="34" charset="0"/>
+              </a:rPr>
+              <a:t>for participants using dedicated Email Relay Server. </a:t>
+            </a:r>
+          </a:p>
+          <a:p>
+            <a:pPr marL="285750" indent="-285750">
+              <a:buBlip>
+                <a:blip r:embed="rId2"/>
+              </a:buBlip>
+            </a:pPr>
+            <a:r>
+              <a:rPr lang="en-US" sz="2400" b="1" dirty="0" smtClean="0">
+                <a:latin typeface="Arial Narrow" panose="020B0606020202030204" pitchFamily="34" charset="0"/>
+              </a:rPr>
+              <a:t> </a:t>
+            </a:r>
+            <a:r>
+              <a:rPr lang="en-US" sz="2400" b="1" dirty="0" smtClean="0">
+                <a:latin typeface="Arial Narrow" panose="020B0606020202030204" pitchFamily="34" charset="0"/>
+              </a:rPr>
+              <a:t>International Level Members </a:t>
+            </a:r>
+            <a:r>
+              <a:rPr lang="en-US" sz="2400" dirty="0" smtClean="0">
+                <a:latin typeface="Arial Narrow" panose="020B0606020202030204" pitchFamily="34" charset="0"/>
+              </a:rPr>
+              <a:t>– Dashboard</a:t>
+            </a:r>
+            <a:r>
+              <a:rPr lang="en-US" sz="2400" dirty="0" smtClean="0">
+                <a:latin typeface="Arial Narrow" panose="020B0606020202030204" pitchFamily="34" charset="0"/>
+              </a:rPr>
+              <a:t>.</a:t>
+            </a:r>
+          </a:p>
+          <a:p>
+            <a:pPr marL="285750" lvl="0" indent="-285750">
+              <a:buBlip>
+                <a:blip r:embed="rId2"/>
+              </a:buBlip>
+            </a:pPr>
+            <a:r>
+              <a:rPr lang="en-US" sz="2400" b="1" dirty="0">
+                <a:latin typeface="Arial Narrow" panose="020B0606020202030204" pitchFamily="34" charset="0"/>
+              </a:rPr>
+              <a:t>Upload Email address from excel, csv</a:t>
+            </a:r>
+            <a:r>
+              <a:rPr lang="en-US" sz="2400" dirty="0">
+                <a:latin typeface="Arial Narrow" panose="020B0606020202030204" pitchFamily="34" charset="0"/>
+              </a:rPr>
+              <a:t>.</a:t>
             </a:r>
           </a:p>
           <a:p>
@@ -35571,20 +35722,6 @@
                 <a:blip r:embed="rId2"/>
               </a:buBlip>
             </a:pPr>
-            <a:r>
-              <a:rPr lang="en-US" sz="2400" b="1" dirty="0" smtClean="0">
-                <a:latin typeface="Arial Narrow" panose="020B0606020202030204" pitchFamily="34" charset="0"/>
-              </a:rPr>
-              <a:t> Live</a:t>
-            </a:r>
-            <a:r>
-              <a:rPr lang="en-US" sz="2400" dirty="0" smtClean="0">
-                <a:latin typeface="Arial Narrow" panose="020B0606020202030204" pitchFamily="34" charset="0"/>
-              </a:rPr>
-              <a:t> Infographics. </a:t>
-            </a:r>
-          </a:p>
-          <a:p>
             <a:endParaRPr lang="en-US" sz="2400" dirty="0" smtClean="0">
               <a:latin typeface="Arial Narrow" panose="020B0606020202030204" pitchFamily="34" charset="0"/>
             </a:endParaRPr>
@@ -35595,90 +35732,9 @@
                 <a:blip r:embed="rId2"/>
               </a:buBlip>
             </a:pPr>
-            <a:r>
-              <a:rPr lang="en-US" sz="2400" b="1" dirty="0" smtClean="0">
-                <a:latin typeface="Arial Narrow" panose="020B0606020202030204" pitchFamily="34" charset="0"/>
-              </a:rPr>
-              <a:t> Collaborative graphs </a:t>
-            </a:r>
-            <a:r>
-              <a:rPr lang="en-US" sz="2400" dirty="0" smtClean="0">
-                <a:latin typeface="Arial Narrow" panose="020B0606020202030204" pitchFamily="34" charset="0"/>
-              </a:rPr>
-              <a:t>and downloadable formats.</a:t>
-            </a:r>
-          </a:p>
-          <a:p>
             <a:endParaRPr lang="en-US" sz="2400" dirty="0" smtClean="0">
               <a:latin typeface="Arial Narrow" panose="020B0606020202030204" pitchFamily="34" charset="0"/>
             </a:endParaRPr>
-          </a:p>
-          <a:p>
-            <a:pPr marL="285750" indent="-285750">
-              <a:buBlip>
-                <a:blip r:embed="rId2"/>
-              </a:buBlip>
-            </a:pPr>
-            <a:r>
-              <a:rPr lang="en-US" sz="2400" b="1" dirty="0" smtClean="0">
-                <a:latin typeface="Arial Narrow" panose="020B0606020202030204" pitchFamily="34" charset="0"/>
-              </a:rPr>
-              <a:t> UX/UI</a:t>
-            </a:r>
-            <a:r>
-              <a:rPr lang="en-US" sz="2400" dirty="0" smtClean="0">
-                <a:latin typeface="Arial Narrow" panose="020B0606020202030204" pitchFamily="34" charset="0"/>
-              </a:rPr>
-              <a:t> Design. </a:t>
-            </a:r>
-          </a:p>
-          <a:p>
-            <a:endParaRPr lang="en-US" sz="2400" dirty="0" smtClean="0">
-              <a:latin typeface="Arial Narrow" panose="020B0606020202030204" pitchFamily="34" charset="0"/>
-            </a:endParaRPr>
-          </a:p>
-          <a:p>
-            <a:pPr marL="285750" indent="-285750">
-              <a:buBlip>
-                <a:blip r:embed="rId2"/>
-              </a:buBlip>
-            </a:pPr>
-            <a:r>
-              <a:rPr lang="en-US" sz="2400" b="1" dirty="0" smtClean="0">
-                <a:latin typeface="Arial Narrow" panose="020B0606020202030204" pitchFamily="34" charset="0"/>
-              </a:rPr>
-              <a:t> One click Link </a:t>
-            </a:r>
-            <a:r>
-              <a:rPr lang="en-US" sz="2400" dirty="0" smtClean="0">
-                <a:latin typeface="Arial Narrow" panose="020B0606020202030204" pitchFamily="34" charset="0"/>
-              </a:rPr>
-              <a:t>for participants using dedicated Email Relay Server. </a:t>
-            </a:r>
-          </a:p>
-          <a:p>
-            <a:endParaRPr lang="en-US" sz="2400" dirty="0" smtClean="0">
-              <a:latin typeface="Arial Narrow" panose="020B0606020202030204" pitchFamily="34" charset="0"/>
-            </a:endParaRPr>
-          </a:p>
-          <a:p>
-            <a:pPr marL="285750" indent="-285750">
-              <a:buBlip>
-                <a:blip r:embed="rId2"/>
-              </a:buBlip>
-            </a:pPr>
-            <a:r>
-              <a:rPr lang="en-US" sz="2400" b="1" dirty="0" smtClean="0">
-                <a:latin typeface="Arial Narrow" panose="020B0606020202030204" pitchFamily="34" charset="0"/>
-              </a:rPr>
-              <a:t> International Level Members </a:t>
-            </a:r>
-            <a:r>
-              <a:rPr lang="en-US" sz="2400" dirty="0" smtClean="0">
-                <a:latin typeface="Arial Narrow" panose="020B0606020202030204" pitchFamily="34" charset="0"/>
-              </a:rPr>
-              <a:t>– Dashboard.</a:t>
-            </a:r>
           </a:p>
           <a:p>
             <a:endParaRPr lang="en-US" dirty="0" smtClean="0">
